--- a/SHRIMP poster.pptx
+++ b/SHRIMP poster.pptx
@@ -2714,97 +2714,14 @@
       </p:grpSpPr>
       <p:sp>
         <p:nvSpPr>
-          <p:cNvPr id="95" name="TextBox 3"/>
-          <p:cNvSpPr txBox="1"/>
-          <p:nvPr/>
-        </p:nvSpPr>
-        <p:spPr>
-          <a:xfrm>
-            <a:off x="5828981" y="568961"/>
-            <a:ext cx="39624639" cy="1405743"/>
-          </a:xfrm>
-          <a:prstGeom prst="rect">
-            <a:avLst/>
-          </a:prstGeom>
-          <a:ln w="12700">
-            <a:miter lim="400000"/>
-          </a:ln>
-          <a:extLst>
-            <a:ext uri="{C572A759-6A51-4108-AA02-DFA0A04FC94B}">
-              <ma14:wrappingTextBoxFlag xmlns:ma14="http://schemas.microsoft.com/office/mac/drawingml/2011/main" xmlns:a14="http://schemas.microsoft.com/office/drawing/2010/main" xmlns:m="http://schemas.openxmlformats.org/officeDocument/2006/math" xmlns="" val="1"/>
-            </a:ext>
-          </a:extLst>
-        </p:spPr>
-        <p:txBody>
-          <a:bodyPr lIns="45719" rIns="45719">
-            <a:spAutoFit/>
-          </a:bodyPr>
-          <a:lstStyle>
-            <a:lvl1pPr algn="ctr">
-              <a:defRPr sz="10200">
-                <a:solidFill>
-                  <a:srgbClr val="333333"/>
-                </a:solidFill>
-              </a:defRPr>
-            </a:lvl1pPr>
-          </a:lstStyle>
-          <a:p>
-            <a:r>
-              <a:t>A catchy, very cool title</a:t>
-            </a:r>
-          </a:p>
-        </p:txBody>
-      </p:sp>
-      <p:sp>
-        <p:nvSpPr>
-          <p:cNvPr id="96" name="TextBox 5"/>
-          <p:cNvSpPr txBox="1"/>
-          <p:nvPr/>
-        </p:nvSpPr>
-        <p:spPr>
-          <a:xfrm>
-            <a:off x="15598139" y="2997679"/>
-            <a:ext cx="20086322" cy="2848557"/>
-          </a:xfrm>
-          <a:prstGeom prst="rect">
-            <a:avLst/>
-          </a:prstGeom>
-          <a:ln w="12700">
-            <a:miter lim="400000"/>
-          </a:ln>
-          <a:extLst>
-            <a:ext uri="{C572A759-6A51-4108-AA02-DFA0A04FC94B}">
-              <ma14:wrappingTextBoxFlag xmlns:ma14="http://schemas.microsoft.com/office/mac/drawingml/2011/main" xmlns:a14="http://schemas.microsoft.com/office/drawing/2010/main" xmlns:m="http://schemas.openxmlformats.org/officeDocument/2006/math" xmlns="" val="1"/>
-            </a:ext>
-          </a:extLst>
-        </p:spPr>
-        <p:txBody>
-          <a:bodyPr lIns="45719" rIns="45719">
-            <a:spAutoFit/>
-          </a:bodyPr>
-          <a:lstStyle>
-            <a:lvl1pPr algn="ctr">
-              <a:defRPr sz="6300"/>
-            </a:lvl1pPr>
-          </a:lstStyle>
-          <a:p>
-            <a:r>
-              <a:rPr dirty="0"/>
-              <a:t>Names of all the important people who contributed, i.e. everyone in the group.  The QR code can be used to link to a GitHub repo, animation, pdf copy of details etc..</a:t>
-            </a:r>
-          </a:p>
-        </p:txBody>
-      </p:sp>
-      <p:sp>
-        <p:nvSpPr>
           <p:cNvPr id="97" name="TextBox 9"/>
           <p:cNvSpPr txBox="1"/>
           <p:nvPr/>
         </p:nvSpPr>
         <p:spPr>
           <a:xfrm>
-            <a:off x="17506474" y="7326303"/>
-            <a:ext cx="12013341" cy="6949441"/>
+            <a:off x="17134814" y="7266685"/>
+            <a:ext cx="12013341" cy="1446550"/>
           </a:xfrm>
           <a:prstGeom prst="rect">
             <a:avLst/>
@@ -2828,59 +2745,15 @@
               <a:defRPr sz="4000" b="1"/>
             </a:pPr>
             <a:r>
-              <a:rPr dirty="0"/>
-              <a:t>Describe what progress you made</a:t>
+              <a:rPr lang="en-US" sz="4800" dirty="0"/>
+              <a:t>Equations</a:t>
             </a:r>
-            <a:endParaRPr i="1" dirty="0"/>
           </a:p>
           <a:p>
             <a:pPr>
-              <a:defRPr sz="4000"/>
+              <a:defRPr sz="4000" b="1"/>
             </a:pPr>
             <a:endParaRPr i="1" dirty="0"/>
-          </a:p>
-          <a:p>
-            <a:pPr>
-              <a:defRPr sz="4000"/>
-            </a:pPr>
-            <a:r>
-              <a:rPr dirty="0"/>
-              <a:t>What did you manage to do?  You are allowed to report on mistakes and/or steps you took that did not pan out as well as on those that worked out well.</a:t>
-            </a:r>
-          </a:p>
-          <a:p>
-            <a:pPr>
-              <a:spcBef>
-                <a:spcPts val="2000"/>
-              </a:spcBef>
-              <a:defRPr sz="2100">
-                <a:latin typeface="+mn-lt"/>
-                <a:ea typeface="+mn-ea"/>
-                <a:cs typeface="+mn-cs"/>
-                <a:sym typeface="Helvetica"/>
-              </a:defRPr>
-            </a:pPr>
-            <a:r>
-              <a:rPr dirty="0"/>
-              <a:t>Optimal control theory is a powerful framework used in engineering, economics, and various other fields to design control strategies that optimize the performance of a system while adhering to specified constraints. At its core, optimal control seeks to find the control inputs that minimize or maximize an objective function, often representing a cost or utility associated with the system's behavior over time.</a:t>
-            </a:r>
-          </a:p>
-          <a:p>
-            <a:pPr>
-              <a:spcBef>
-                <a:spcPts val="2000"/>
-              </a:spcBef>
-              <a:defRPr sz="2100">
-                <a:latin typeface="+mn-lt"/>
-                <a:ea typeface="+mn-ea"/>
-                <a:cs typeface="+mn-cs"/>
-                <a:sym typeface="Helvetica"/>
-              </a:defRPr>
-            </a:pPr>
-            <a:r>
-              <a:rPr dirty="0"/>
-              <a:t>In engineering applications, optimal control plays a crucial role in designing efficient and robust control systems for complex dynamical systems. Whether it's guiding a spacecraft to its destination with minimal fuel consumption, stabilizing an aircraft during flight, or regulating the operation of industrial processes, optimal control techniques provide a systematic approach to achieving desired performance objectives while accounting for constraints such as energy limitations, safety requirements, and environmental considerations.</a:t>
-            </a:r>
           </a:p>
         </p:txBody>
       </p:sp>
@@ -2941,34 +2814,124 @@
                 <a:endParaRPr lang="en-US" sz="4800" dirty="0"/>
               </a:p>
               <a:p>
-                <a:pPr marL="571500" indent="-571500">
-                  <a:buFont typeface="Arial" panose="020B0604020202020204" pitchFamily="34" charset="0"/>
-                  <a:buChar char="•"/>
+                <a:pPr marL="685800" indent="-685800">
+                  <a:buFont typeface="System Font Regular"/>
+                  <a:buChar char="🦐"/>
                   <a:defRPr sz="4000"/>
                 </a:pPr>
                 <a:r>
                   <a:rPr lang="en-US" sz="4800" dirty="0"/>
-                  <a:t>The angle of the boom (the support for the sail), given by </a:t>
+                  <a:t>The angle of the boom (the support for the sail) relative to the boat, given by </a:t>
                 </a:r>
+                <a14:m>
+                  <m:oMath xmlns:m="http://schemas.openxmlformats.org/officeDocument/2006/math">
+                    <m:sSub>
+                      <m:sSubPr>
+                        <m:ctrlPr>
+                          <a:rPr lang="en-US" sz="4800" i="1">
+                            <a:latin typeface="Cambria Math" panose="02040503050406030204" pitchFamily="18" charset="0"/>
+                          </a:rPr>
+                        </m:ctrlPr>
+                      </m:sSubPr>
+                      <m:e>
+                        <m:r>
+                          <m:rPr>
+                            <m:nor/>
+                          </m:rPr>
+                          <a:rPr lang="el-GR" sz="4800" dirty="0"/>
+                          <m:t>θ</m:t>
+                        </m:r>
+                      </m:e>
+                      <m:sub>
+                        <m:r>
+                          <a:rPr lang="en-US" sz="4800" i="1">
+                            <a:latin typeface="Cambria Math" panose="02040503050406030204" pitchFamily="18" charset="0"/>
+                          </a:rPr>
+                          <m:t>𝑏</m:t>
+                        </m:r>
+                      </m:sub>
+                    </m:sSub>
+                  </m:oMath>
+                </a14:m>
                 <a:r>
                   <a:rPr lang="el-GR" sz="4800" dirty="0"/>
-                  <a:t>θ. </a:t>
+                  <a:t>. </a:t>
                 </a:r>
                 <a:r>
                   <a:rPr lang="en-US" sz="4800" dirty="0"/>
                   <a:t>Controlling </a:t>
                 </a:r>
+                <a14:m>
+                  <m:oMath xmlns:m="http://schemas.openxmlformats.org/officeDocument/2006/math">
+                    <m:sSub>
+                      <m:sSubPr>
+                        <m:ctrlPr>
+                          <a:rPr lang="en-US" sz="4800" i="1">
+                            <a:latin typeface="Cambria Math" panose="02040503050406030204" pitchFamily="18" charset="0"/>
+                          </a:rPr>
+                        </m:ctrlPr>
+                      </m:sSubPr>
+                      <m:e>
+                        <m:r>
+                          <m:rPr>
+                            <m:nor/>
+                          </m:rPr>
+                          <a:rPr lang="el-GR" sz="4800" dirty="0"/>
+                          <m:t>θ</m:t>
+                        </m:r>
+                      </m:e>
+                      <m:sub>
+                        <m:r>
+                          <a:rPr lang="en-US" sz="4800" i="1">
+                            <a:latin typeface="Cambria Math" panose="02040503050406030204" pitchFamily="18" charset="0"/>
+                          </a:rPr>
+                          <m:t>𝑏</m:t>
+                        </m:r>
+                      </m:sub>
+                    </m:sSub>
+                  </m:oMath>
+                </a14:m>
                 <a:r>
                   <a:rPr lang="el-GR" sz="4800" dirty="0"/>
-                  <a:t>θ </a:t>
+                  <a:t> </a:t>
                 </a:r>
                 <a:r>
                   <a:rPr lang="en-US" sz="4800" dirty="0"/>
                   <a:t>will allow us to optimize force the wind can exert on the sail and thus the direction and magnitude of the acceleration. </a:t>
                 </a:r>
+                <a14:m>
+                  <m:oMath xmlns:m="http://schemas.openxmlformats.org/officeDocument/2006/math">
+                    <m:sSub>
+                      <m:sSubPr>
+                        <m:ctrlPr>
+                          <a:rPr lang="en-US" sz="4800" i="1">
+                            <a:latin typeface="Cambria Math" panose="02040503050406030204" pitchFamily="18" charset="0"/>
+                          </a:rPr>
+                        </m:ctrlPr>
+                      </m:sSubPr>
+                      <m:e>
+                        <m:r>
+                          <m:rPr>
+                            <m:nor/>
+                          </m:rPr>
+                          <a:rPr lang="el-GR" sz="4800" dirty="0"/>
+                          <m:t>θ</m:t>
+                        </m:r>
+                      </m:e>
+                      <m:sub>
+                        <m:r>
+                          <a:rPr lang="en-US" sz="4800" i="1">
+                            <a:latin typeface="Cambria Math" panose="02040503050406030204" pitchFamily="18" charset="0"/>
+                          </a:rPr>
+                          <m:t>𝑏</m:t>
+                        </m:r>
+                      </m:sub>
+                    </m:sSub>
+                  </m:oMath>
+                </a14:m>
                 <a:r>
                   <a:rPr lang="el-GR" sz="4800" dirty="0"/>
-                  <a:t>θ </a:t>
+                  <a:t> </a:t>
                 </a:r>
                 <a:r>
                   <a:rPr lang="en-US" sz="4800" dirty="0"/>
@@ -3039,9 +3002,9 @@
                 </a:r>
               </a:p>
               <a:p>
-                <a:pPr marL="571500" indent="-571500">
-                  <a:buFont typeface="Arial" panose="020B0604020202020204" pitchFamily="34" charset="0"/>
-                  <a:buChar char="•"/>
+                <a:pPr marL="685800" indent="-685800">
+                  <a:buFont typeface="System Font Regular"/>
+                  <a:buChar char="🦐"/>
                   <a:defRPr sz="4000"/>
                 </a:pPr>
                 <a:r>
@@ -3066,7 +3029,9 @@
                 <a:endParaRPr lang="el-GR" dirty="0"/>
               </a:p>
               <a:p>
-                <a:pPr>
+                <a:pPr marL="342900" indent="-342900">
+                  <a:buFont typeface="System Font Regular"/>
+                  <a:buChar char="🦐"/>
                   <a:defRPr sz="2400">
                     <a:latin typeface="+mn-lt"/>
                     <a:ea typeface="+mn-ea"/>
@@ -3077,7 +3042,9 @@
                 <a:endParaRPr lang="el-GR" dirty="0"/>
               </a:p>
               <a:p>
-                <a:pPr>
+                <a:pPr marL="342900" indent="-342900">
+                  <a:buFont typeface="System Font Regular"/>
+                  <a:buChar char="🦐"/>
                   <a:defRPr sz="2400">
                     <a:latin typeface="+mn-lt"/>
                     <a:ea typeface="+mn-ea"/>
@@ -3088,7 +3055,9 @@
                 <a:endParaRPr lang="el-GR" dirty="0"/>
               </a:p>
               <a:p>
-                <a:pPr>
+                <a:pPr marL="342900" indent="-342900">
+                  <a:buFont typeface="System Font Regular"/>
+                  <a:buChar char="🦐"/>
                   <a:defRPr sz="2400">
                     <a:latin typeface="+mn-lt"/>
                     <a:ea typeface="+mn-ea"/>
@@ -3165,7 +3134,7 @@
               <a:blipFill>
                 <a:blip r:embed="rId2"/>
                 <a:stretch>
-                  <a:fillRect l="-2159" t="-1043" r="-2658"/>
+                  <a:fillRect l="-2326" t="-1043" r="-2824"/>
                 </a:stretch>
               </a:blipFill>
               <a:ln w="12700">
@@ -3248,8 +3217,8 @@
             </p:nvSpPr>
             <p:spPr>
               <a:xfrm>
-                <a:off x="681671" y="27400166"/>
-                <a:ext cx="19845277" cy="4800930"/>
+                <a:off x="621094" y="27100513"/>
+                <a:ext cx="15276524" cy="6278257"/>
               </a:xfrm>
               <a:prstGeom prst="rect">
                 <a:avLst/>
@@ -3279,17 +3248,47 @@
               </a:p>
               <a:p>
                 <a:pPr marL="685800" indent="-685800">
-                  <a:buFont typeface="Arial" panose="020B0604020202020204" pitchFamily="34" charset="0"/>
-                  <a:buChar char="•"/>
+                  <a:buFont typeface="System Font Regular"/>
+                  <a:buChar char="🦐"/>
                   <a:defRPr sz="4000"/>
                 </a:pPr>
                 <a:r>
                   <a:rPr lang="en-US" sz="4800" dirty="0"/>
                   <a:t>First we solve the simple case of sailing in one direction with the wind at our backs, finding the simple optimal control of </a:t>
                 </a:r>
+                <a14:m>
+                  <m:oMath xmlns:m="http://schemas.openxmlformats.org/officeDocument/2006/math">
+                    <m:sSub>
+                      <m:sSubPr>
+                        <m:ctrlPr>
+                          <a:rPr lang="en-US" sz="4800" i="1">
+                            <a:latin typeface="Cambria Math" panose="02040503050406030204" pitchFamily="18" charset="0"/>
+                          </a:rPr>
+                        </m:ctrlPr>
+                      </m:sSubPr>
+                      <m:e>
+                        <m:r>
+                          <m:rPr>
+                            <m:nor/>
+                          </m:rPr>
+                          <a:rPr lang="el-GR" sz="4800" dirty="0"/>
+                          <m:t>θ</m:t>
+                        </m:r>
+                      </m:e>
+                      <m:sub>
+                        <m:r>
+                          <a:rPr lang="en-US" sz="4800" i="1">
+                            <a:latin typeface="Cambria Math" panose="02040503050406030204" pitchFamily="18" charset="0"/>
+                          </a:rPr>
+                          <m:t>𝑏</m:t>
+                        </m:r>
+                      </m:sub>
+                    </m:sSub>
+                  </m:oMath>
+                </a14:m>
                 <a:r>
                   <a:rPr lang="el-GR" sz="4800" dirty="0"/>
-                  <a:t>θ  = </a:t>
+                  <a:t>  = </a:t>
                 </a:r>
                 <a14:m>
                   <m:oMath xmlns:m="http://schemas.openxmlformats.org/officeDocument/2006/math">
@@ -3446,8 +3445,8 @@
               </a:p>
               <a:p>
                 <a:pPr marL="685800" indent="-685800">
-                  <a:buFont typeface="Arial" panose="020B0604020202020204" pitchFamily="34" charset="0"/>
-                  <a:buChar char="•"/>
+                  <a:buFont typeface="System Font Regular"/>
+                  <a:buChar char="🦐"/>
                   <a:defRPr sz="4000"/>
                 </a:pPr>
                 <a:r>
@@ -3499,8 +3498,8 @@
             </p:nvSpPr>
             <p:spPr>
               <a:xfrm>
-                <a:off x="681671" y="27400166"/>
-                <a:ext cx="19845277" cy="4800930"/>
+                <a:off x="621094" y="27100513"/>
+                <a:ext cx="15276524" cy="6278257"/>
               </a:xfrm>
               <a:prstGeom prst="rect">
                 <a:avLst/>
@@ -3508,7 +3507,7 @@
               <a:blipFill>
                 <a:blip r:embed="rId3"/>
                 <a:stretch>
-                  <a:fillRect l="-1662" t="-2902" r="-1535"/>
+                  <a:fillRect l="-2326" t="-2424" r="-2076"/>
                 </a:stretch>
               </a:blipFill>
               <a:ln w="12700">
@@ -3537,95 +3536,6 @@
       </mc:AlternateContent>
       <p:sp>
         <p:nvSpPr>
-          <p:cNvPr id="102" name="TextBox 33"/>
-          <p:cNvSpPr txBox="1"/>
-          <p:nvPr/>
-        </p:nvSpPr>
-        <p:spPr>
-          <a:xfrm>
-            <a:off x="24983540" y="14281455"/>
-            <a:ext cx="2794810" cy="3713124"/>
-          </a:xfrm>
-          <a:prstGeom prst="rect">
-            <a:avLst/>
-          </a:prstGeom>
-          <a:ln w="12700">
-            <a:miter lim="400000"/>
-          </a:ln>
-          <a:extLst>
-            <a:ext uri="{C572A759-6A51-4108-AA02-DFA0A04FC94B}">
-              <ma14:wrappingTextBoxFlag xmlns:ma14="http://schemas.microsoft.com/office/mac/drawingml/2011/main" xmlns:a14="http://schemas.microsoft.com/office/drawing/2010/main" xmlns:m="http://schemas.openxmlformats.org/officeDocument/2006/math" xmlns="" val="1"/>
-            </a:ext>
-          </a:extLst>
-        </p:spPr>
-        <p:txBody>
-          <a:bodyPr lIns="45719" rIns="45719">
-            <a:spAutoFit/>
-          </a:bodyPr>
-          <a:lstStyle/>
-          <a:p>
-            <a:pPr>
-              <a:defRPr sz="4000" b="1"/>
-            </a:pPr>
-            <a:r>
-              <a:rPr dirty="0"/>
-              <a:t>Figure 2</a:t>
-            </a:r>
-            <a:r>
-              <a:rPr b="0" dirty="0"/>
-              <a:t>: Lots of figures (high quality ones) is a good idea</a:t>
-            </a:r>
-            <a:r>
-              <a:rPr dirty="0"/>
-              <a:t>.</a:t>
-            </a:r>
-          </a:p>
-        </p:txBody>
-      </p:sp>
-      <p:sp>
-        <p:nvSpPr>
-          <p:cNvPr id="103" name="TextBox 34"/>
-          <p:cNvSpPr txBox="1"/>
-          <p:nvPr/>
-        </p:nvSpPr>
-        <p:spPr>
-          <a:xfrm>
-            <a:off x="39587551" y="7469220"/>
-            <a:ext cx="9788412" cy="3090824"/>
-          </a:xfrm>
-          <a:prstGeom prst="rect">
-            <a:avLst/>
-          </a:prstGeom>
-          <a:ln w="12700">
-            <a:miter lim="400000"/>
-          </a:ln>
-          <a:extLst>
-            <a:ext uri="{C572A759-6A51-4108-AA02-DFA0A04FC94B}">
-              <ma14:wrappingTextBoxFlag xmlns:ma14="http://schemas.microsoft.com/office/mac/drawingml/2011/main" xmlns:a14="http://schemas.microsoft.com/office/drawing/2010/main" xmlns:m="http://schemas.openxmlformats.org/officeDocument/2006/math" xmlns="" val="1"/>
-            </a:ext>
-          </a:extLst>
-        </p:spPr>
-        <p:txBody>
-          <a:bodyPr lIns="45719" rIns="45719">
-            <a:spAutoFit/>
-          </a:bodyPr>
-          <a:lstStyle/>
-          <a:p>
-            <a:pPr>
-              <a:defRPr sz="4000" b="1"/>
-            </a:pPr>
-            <a:r>
-              <a:t>Figure 3</a:t>
-            </a:r>
-            <a:r>
-              <a:rPr b="0"/>
-              <a:t>:  The layout here is just a suggestion.  You can modify the figure placement, adjust the spacing etc..  The important thing is really to use a lot of figures.</a:t>
-            </a:r>
-          </a:p>
-        </p:txBody>
-      </p:sp>
-      <p:sp>
-        <p:nvSpPr>
           <p:cNvPr id="104" name="Rectangle 36"/>
           <p:cNvSpPr/>
           <p:nvPr/>
@@ -3676,7 +3586,7 @@
         <p:spPr>
           <a:xfrm>
             <a:off x="448238" y="27100513"/>
-            <a:ext cx="20268396" cy="10731682"/>
+            <a:ext cx="15742596" cy="10731682"/>
           </a:xfrm>
           <a:prstGeom prst="rect">
             <a:avLst/>
@@ -3719,7 +3629,50 @@
         <p:spPr>
           <a:xfrm>
             <a:off x="16891856" y="6945410"/>
-            <a:ext cx="33866306" cy="12564886"/>
+            <a:ext cx="18814050" cy="12564886"/>
+          </a:xfrm>
+          <a:prstGeom prst="rect">
+            <a:avLst/>
+          </a:prstGeom>
+          <a:ln w="152400">
+            <a:solidFill>
+              <a:srgbClr val="2F5597"/>
+            </a:solidFill>
+            <a:miter/>
+          </a:ln>
+        </p:spPr>
+        <p:txBody>
+          <a:bodyPr lIns="45719" rIns="45719" anchor="ctr"/>
+          <a:lstStyle/>
+          <a:p>
+            <a:pPr algn="ctr">
+              <a:defRPr sz="2400">
+                <a:solidFill>
+                  <a:schemeClr val="accent1"/>
+                </a:solidFill>
+                <a:effectLst>
+                  <a:outerShdw blurRad="38100" dist="25400" dir="5400000" rotWithShape="0">
+                    <a:srgbClr val="6E747A">
+                      <a:alpha val="43000"/>
+                    </a:srgbClr>
+                  </a:outerShdw>
+                </a:effectLst>
+              </a:defRPr>
+            </a:pPr>
+            <a:endParaRPr dirty="0"/>
+          </a:p>
+        </p:txBody>
+      </p:sp>
+      <p:sp>
+        <p:nvSpPr>
+          <p:cNvPr id="107" name="Rectangle 39"/>
+          <p:cNvSpPr/>
+          <p:nvPr/>
+        </p:nvSpPr>
+        <p:spPr>
+          <a:xfrm>
+            <a:off x="16770324" y="19831571"/>
+            <a:ext cx="33195433" cy="12318420"/>
           </a:xfrm>
           <a:prstGeom prst="rect">
             <a:avLst/>
@@ -3753,103 +3706,6 @@
           </a:p>
         </p:txBody>
       </p:sp>
-      <p:sp>
-        <p:nvSpPr>
-          <p:cNvPr id="107" name="Rectangle 39"/>
-          <p:cNvSpPr/>
-          <p:nvPr/>
-        </p:nvSpPr>
-        <p:spPr>
-          <a:xfrm>
-            <a:off x="21031200" y="19827853"/>
-            <a:ext cx="29839746" cy="12318420"/>
-          </a:xfrm>
-          <a:prstGeom prst="rect">
-            <a:avLst/>
-          </a:prstGeom>
-          <a:ln w="152400">
-            <a:solidFill>
-              <a:srgbClr val="2F5597"/>
-            </a:solidFill>
-            <a:miter/>
-          </a:ln>
-        </p:spPr>
-        <p:txBody>
-          <a:bodyPr lIns="45719" rIns="45719" anchor="ctr"/>
-          <a:lstStyle/>
-          <a:p>
-            <a:pPr algn="ctr">
-              <a:defRPr sz="2400">
-                <a:solidFill>
-                  <a:schemeClr val="accent1"/>
-                </a:solidFill>
-                <a:effectLst>
-                  <a:outerShdw blurRad="38100" dist="25400" dir="5400000" rotWithShape="0">
-                    <a:srgbClr val="6E747A">
-                      <a:alpha val="43000"/>
-                    </a:srgbClr>
-                  </a:outerShdw>
-                </a:effectLst>
-              </a:defRPr>
-            </a:pPr>
-            <a:endParaRPr/>
-          </a:p>
-        </p:txBody>
-      </p:sp>
-      <p:pic>
-        <p:nvPicPr>
-          <p:cNvPr id="108" name="Picture 43" descr="Picture 43"/>
-          <p:cNvPicPr>
-            <a:picLocks noChangeAspect="1"/>
-          </p:cNvPicPr>
-          <p:nvPr/>
-        </p:nvPicPr>
-        <p:blipFill>
-          <a:blip r:embed="rId4"/>
-          <a:stretch>
-            <a:fillRect/>
-          </a:stretch>
-        </p:blipFill>
-        <p:spPr>
-          <a:xfrm>
-            <a:off x="16344408" y="13549791"/>
-            <a:ext cx="9067801" cy="6204284"/>
-          </a:xfrm>
-          <a:prstGeom prst="rect">
-            <a:avLst/>
-          </a:prstGeom>
-          <a:ln w="12700">
-            <a:miter lim="400000"/>
-          </a:ln>
-        </p:spPr>
-      </p:pic>
-      <p:pic>
-        <p:nvPicPr>
-          <p:cNvPr id="109" name="Picture 45" descr="Picture 45"/>
-          <p:cNvPicPr>
-            <a:picLocks noChangeAspect="1"/>
-          </p:cNvPicPr>
-          <p:nvPr/>
-        </p:nvPicPr>
-        <p:blipFill>
-          <a:blip r:embed="rId5"/>
-          <a:stretch>
-            <a:fillRect/>
-          </a:stretch>
-        </p:blipFill>
-        <p:spPr>
-          <a:xfrm>
-            <a:off x="29935899" y="7283922"/>
-            <a:ext cx="8953904" cy="5223110"/>
-          </a:xfrm>
-          <a:prstGeom prst="rect">
-            <a:avLst/>
-          </a:prstGeom>
-          <a:ln w="12700">
-            <a:miter lim="400000"/>
-          </a:ln>
-        </p:spPr>
-      </p:pic>
       <p:sp>
         <p:nvSpPr>
           <p:cNvPr id="111" name="Rectangle 48"/>
@@ -3901,8 +3757,8 @@
         </p:nvSpPr>
         <p:spPr>
           <a:xfrm>
-            <a:off x="21031199" y="32594026"/>
-            <a:ext cx="29839746" cy="5310784"/>
+            <a:off x="16770324" y="32605146"/>
+            <a:ext cx="33195433" cy="5190094"/>
           </a:xfrm>
           <a:prstGeom prst="rect">
             <a:avLst/>
@@ -3944,7 +3800,7 @@
         </p:nvSpPr>
         <p:spPr>
           <a:xfrm>
-            <a:off x="6993235" y="33933764"/>
+            <a:off x="1116593" y="33713266"/>
             <a:ext cx="8251852" cy="3785652"/>
           </a:xfrm>
           <a:prstGeom prst="rect">
@@ -3970,15 +3826,7 @@
             </a:pPr>
             <a:r>
               <a:rPr dirty="0"/>
-              <a:t>Figure 1</a:t>
-            </a:r>
-            <a:r>
-              <a:rPr lang="en-US" dirty="0"/>
-              <a:t> [1]</a:t>
-            </a:r>
-            <a:r>
-              <a:rPr dirty="0"/>
-              <a:t>:</a:t>
+              <a:t>Figure 1:</a:t>
             </a:r>
           </a:p>
           <a:p>
@@ -3987,108 +3835,12 @@
             </a:pPr>
             <a:r>
               <a:rPr lang="en-US" dirty="0"/>
-              <a:t>The no go zone. The white wedge shows the direction the boat cannot go while tacking into the wind, one of several problems we take into account in our optimal control.</a:t>
+              <a:t>[1] The no go zone. The white wedge shows the direction the boat cannot go while tacking into the wind, one of several problems we take into account in our optimal control.</a:t>
             </a:r>
             <a:endParaRPr dirty="0"/>
           </a:p>
         </p:txBody>
       </p:sp>
-      <p:sp>
-        <p:nvSpPr>
-          <p:cNvPr id="115" name="TextBox 54"/>
-          <p:cNvSpPr txBox="1"/>
-          <p:nvPr/>
-        </p:nvSpPr>
-        <p:spPr>
-          <a:xfrm>
-            <a:off x="36877121" y="12683769"/>
-            <a:ext cx="3279402" cy="3713124"/>
-          </a:xfrm>
-          <a:prstGeom prst="rect">
-            <a:avLst/>
-          </a:prstGeom>
-          <a:ln w="12700">
-            <a:miter lim="400000"/>
-          </a:ln>
-          <a:extLst>
-            <a:ext uri="{C572A759-6A51-4108-AA02-DFA0A04FC94B}">
-              <ma14:wrappingTextBoxFlag xmlns:ma14="http://schemas.microsoft.com/office/mac/drawingml/2011/main" xmlns:a14="http://schemas.microsoft.com/office/drawing/2010/main" xmlns:m="http://schemas.openxmlformats.org/officeDocument/2006/math" xmlns="" val="1"/>
-            </a:ext>
-          </a:extLst>
-        </p:spPr>
-        <p:txBody>
-          <a:bodyPr lIns="45719" rIns="45719">
-            <a:spAutoFit/>
-          </a:bodyPr>
-          <a:lstStyle/>
-          <a:p>
-            <a:pPr>
-              <a:defRPr sz="4000" b="1"/>
-            </a:pPr>
-            <a:r>
-              <a:t>Figure 4: </a:t>
-            </a:r>
-            <a:r>
-              <a:rPr b="0"/>
-              <a:t>Very fascinating figure that catches your attention right away. </a:t>
-            </a:r>
-          </a:p>
-        </p:txBody>
-      </p:sp>
-      <p:pic>
-        <p:nvPicPr>
-          <p:cNvPr id="116" name="Picture 60" descr="Picture 60"/>
-          <p:cNvPicPr>
-            <a:picLocks noChangeAspect="1"/>
-          </p:cNvPicPr>
-          <p:nvPr/>
-        </p:nvPicPr>
-        <p:blipFill>
-          <a:blip r:embed="rId6"/>
-          <a:stretch>
-            <a:fillRect/>
-          </a:stretch>
-        </p:blipFill>
-        <p:spPr>
-          <a:xfrm>
-            <a:off x="29259798" y="11981674"/>
-            <a:ext cx="7772401" cy="7772401"/>
-          </a:xfrm>
-          <a:prstGeom prst="rect">
-            <a:avLst/>
-          </a:prstGeom>
-          <a:ln w="12700">
-            <a:miter lim="400000"/>
-          </a:ln>
-        </p:spPr>
-      </p:pic>
-      <p:pic>
-        <p:nvPicPr>
-          <p:cNvPr id="118" name="Picture 10" descr="Picture 10"/>
-          <p:cNvPicPr>
-            <a:picLocks noChangeAspect="1"/>
-          </p:cNvPicPr>
-          <p:nvPr/>
-        </p:nvPicPr>
-        <p:blipFill>
-          <a:blip r:embed="rId7"/>
-          <a:stretch>
-            <a:fillRect/>
-          </a:stretch>
-        </p:blipFill>
-        <p:spPr>
-          <a:xfrm>
-            <a:off x="27902501" y="27943745"/>
-            <a:ext cx="5922509" cy="2966895"/>
-          </a:xfrm>
-          <a:prstGeom prst="rect">
-            <a:avLst/>
-          </a:prstGeom>
-          <a:ln w="12700">
-            <a:miter lim="400000"/>
-          </a:ln>
-        </p:spPr>
-      </p:pic>
       <p:sp>
         <p:nvSpPr>
           <p:cNvPr id="119" name="TextBox 12"/>
@@ -4097,7 +3849,7 @@
         </p:nvSpPr>
         <p:spPr>
           <a:xfrm>
-            <a:off x="28218724" y="20269760"/>
+            <a:off x="17134814" y="20081855"/>
             <a:ext cx="9731886" cy="1223923"/>
           </a:xfrm>
           <a:prstGeom prst="rect">
@@ -4137,8 +3889,8 @@
         </p:nvSpPr>
         <p:spPr>
           <a:xfrm>
-            <a:off x="27433643" y="32697353"/>
-            <a:ext cx="15110973" cy="3170099"/>
+            <a:off x="17029100" y="32765196"/>
+            <a:ext cx="15110973" cy="2554545"/>
           </a:xfrm>
           <a:prstGeom prst="rect">
             <a:avLst/>
@@ -4210,191 +3962,10 @@
             <a:pPr>
               <a:defRPr sz="4000" b="1" u="sng"/>
             </a:pPr>
-            <a:r>
-              <a:rPr dirty="0"/>
-              <a:t>You can either have a traditional list of references like this, or just a handful of QR codes that link to the DOI of the relevant articles.</a:t>
-            </a:r>
+            <a:endParaRPr dirty="0"/>
           </a:p>
         </p:txBody>
       </p:sp>
-      <p:pic>
-        <p:nvPicPr>
-          <p:cNvPr id="121" name="Picture 24" descr="Picture 24"/>
-          <p:cNvPicPr>
-            <a:picLocks noChangeAspect="1"/>
-          </p:cNvPicPr>
-          <p:nvPr/>
-        </p:nvPicPr>
-        <p:blipFill>
-          <a:blip r:embed="rId8"/>
-          <a:stretch>
-            <a:fillRect/>
-          </a:stretch>
-        </p:blipFill>
-        <p:spPr>
-          <a:xfrm>
-            <a:off x="41158492" y="22553117"/>
-            <a:ext cx="4550609" cy="3033740"/>
-          </a:xfrm>
-          <a:prstGeom prst="rect">
-            <a:avLst/>
-          </a:prstGeom>
-          <a:ln w="12700">
-            <a:miter lim="400000"/>
-          </a:ln>
-        </p:spPr>
-      </p:pic>
-      <p:sp>
-        <p:nvSpPr>
-          <p:cNvPr id="122" name="TextBox 42"/>
-          <p:cNvSpPr txBox="1"/>
-          <p:nvPr/>
-        </p:nvSpPr>
-        <p:spPr>
-          <a:xfrm>
-            <a:off x="34285553" y="26550564"/>
-            <a:ext cx="2794688" cy="4957724"/>
-          </a:xfrm>
-          <a:prstGeom prst="rect">
-            <a:avLst/>
-          </a:prstGeom>
-          <a:ln w="12700">
-            <a:miter lim="400000"/>
-          </a:ln>
-          <a:extLst>
-            <a:ext uri="{C572A759-6A51-4108-AA02-DFA0A04FC94B}">
-              <ma14:wrappingTextBoxFlag xmlns:ma14="http://schemas.microsoft.com/office/mac/drawingml/2011/main" xmlns:a14="http://schemas.microsoft.com/office/drawing/2010/main" xmlns:m="http://schemas.openxmlformats.org/officeDocument/2006/math" xmlns="" val="1"/>
-            </a:ext>
-          </a:extLst>
-        </p:spPr>
-        <p:txBody>
-          <a:bodyPr lIns="45719" rIns="45719">
-            <a:spAutoFit/>
-          </a:bodyPr>
-          <a:lstStyle/>
-          <a:p>
-            <a:pPr>
-              <a:defRPr sz="4000" b="1"/>
-            </a:pPr>
-            <a:r>
-              <a:t>Figure 5:</a:t>
-            </a:r>
-          </a:p>
-          <a:p>
-            <a:pPr>
-              <a:defRPr sz="4000"/>
-            </a:pPr>
-            <a:r>
-              <a:t>Equations can be added either directly or as snapshots from a Latex file</a:t>
-            </a:r>
-          </a:p>
-        </p:txBody>
-      </p:sp>
-      <p:sp>
-        <p:nvSpPr>
-          <p:cNvPr id="123" name="TextBox 44"/>
-          <p:cNvSpPr txBox="1"/>
-          <p:nvPr/>
-        </p:nvSpPr>
-        <p:spPr>
-          <a:xfrm>
-            <a:off x="45992013" y="22955285"/>
-            <a:ext cx="4039458" cy="601624"/>
-          </a:xfrm>
-          <a:prstGeom prst="rect">
-            <a:avLst/>
-          </a:prstGeom>
-          <a:ln w="12700">
-            <a:miter lim="400000"/>
-          </a:ln>
-          <a:extLst>
-            <a:ext uri="{C572A759-6A51-4108-AA02-DFA0A04FC94B}">
-              <ma14:wrappingTextBoxFlag xmlns:ma14="http://schemas.microsoft.com/office/mac/drawingml/2011/main" xmlns:a14="http://schemas.microsoft.com/office/drawing/2010/main" xmlns:m="http://schemas.openxmlformats.org/officeDocument/2006/math" xmlns="" val="1"/>
-            </a:ext>
-          </a:extLst>
-        </p:spPr>
-        <p:txBody>
-          <a:bodyPr lIns="45719" rIns="45719">
-            <a:spAutoFit/>
-          </a:bodyPr>
-          <a:lstStyle>
-            <a:lvl1pPr>
-              <a:defRPr sz="4000" b="1"/>
-            </a:lvl1pPr>
-          </a:lstStyle>
-          <a:p>
-            <a:r>
-              <a:t>Figure 6: </a:t>
-            </a:r>
-          </a:p>
-        </p:txBody>
-      </p:sp>
-      <p:sp>
-        <p:nvSpPr>
-          <p:cNvPr id="124" name="TextBox 57"/>
-          <p:cNvSpPr txBox="1"/>
-          <p:nvPr/>
-        </p:nvSpPr>
-        <p:spPr>
-          <a:xfrm>
-            <a:off x="47670797" y="26100856"/>
-            <a:ext cx="2885583" cy="4335424"/>
-          </a:xfrm>
-          <a:prstGeom prst="rect">
-            <a:avLst/>
-          </a:prstGeom>
-          <a:ln w="12700">
-            <a:miter lim="400000"/>
-          </a:ln>
-          <a:extLst>
-            <a:ext uri="{C572A759-6A51-4108-AA02-DFA0A04FC94B}">
-              <ma14:wrappingTextBoxFlag xmlns:ma14="http://schemas.microsoft.com/office/mac/drawingml/2011/main" xmlns:a14="http://schemas.microsoft.com/office/drawing/2010/main" xmlns:m="http://schemas.openxmlformats.org/officeDocument/2006/math" xmlns="" val="1"/>
-            </a:ext>
-          </a:extLst>
-        </p:spPr>
-        <p:txBody>
-          <a:bodyPr lIns="45719" rIns="45719">
-            <a:spAutoFit/>
-          </a:bodyPr>
-          <a:lstStyle>
-            <a:lvl1pPr>
-              <a:defRPr sz="4000" b="1"/>
-            </a:lvl1pPr>
-          </a:lstStyle>
-          <a:p>
-            <a:r>
-              <a:t>Figure 7: Make sure you label each figure and provide a descriptive caption</a:t>
-            </a:r>
-          </a:p>
-        </p:txBody>
-      </p:sp>
-      <p:pic>
-        <p:nvPicPr>
-          <p:cNvPr id="125" name="Picture 58" descr="Picture 58"/>
-          <p:cNvPicPr>
-            <a:picLocks noChangeAspect="1"/>
-          </p:cNvPicPr>
-          <p:nvPr/>
-        </p:nvPicPr>
-        <p:blipFill>
-          <a:blip r:embed="rId9"/>
-          <a:stretch>
-            <a:fillRect/>
-          </a:stretch>
-        </p:blipFill>
-        <p:spPr>
-          <a:xfrm>
-            <a:off x="37540784" y="26279431"/>
-            <a:ext cx="9815448" cy="2577988"/>
-          </a:xfrm>
-          <a:prstGeom prst="rect">
-            <a:avLst/>
-          </a:prstGeom>
-          <a:ln w="12700">
-            <a:miter lim="400000"/>
-          </a:ln>
-        </p:spPr>
-      </p:pic>
       <p:sp>
         <p:nvSpPr>
           <p:cNvPr id="126" name="TextBox 59"/>
@@ -4428,255 +3999,6 @@
       </p:sp>
       <p:pic>
         <p:nvPicPr>
-          <p:cNvPr id="127" name="Picture 61" descr="Picture 61"/>
-          <p:cNvPicPr>
-            <a:picLocks noChangeAspect="1"/>
-          </p:cNvPicPr>
-          <p:nvPr/>
-        </p:nvPicPr>
-        <p:blipFill>
-          <a:blip r:embed="rId10"/>
-          <a:stretch>
-            <a:fillRect/>
-          </a:stretch>
-        </p:blipFill>
-        <p:spPr>
-          <a:xfrm>
-            <a:off x="27824069" y="24255750"/>
-            <a:ext cx="12729896" cy="1285276"/>
-          </a:xfrm>
-          <a:prstGeom prst="rect">
-            <a:avLst/>
-          </a:prstGeom>
-          <a:ln w="12700">
-            <a:miter lim="400000"/>
-          </a:ln>
-        </p:spPr>
-      </p:pic>
-      <p:pic>
-        <p:nvPicPr>
-          <p:cNvPr id="128" name="Picture 1023" descr="Picture 1023"/>
-          <p:cNvPicPr>
-            <a:picLocks noChangeAspect="1"/>
-          </p:cNvPicPr>
-          <p:nvPr/>
-        </p:nvPicPr>
-        <p:blipFill>
-          <a:blip r:embed="rId11"/>
-          <a:stretch>
-            <a:fillRect/>
-          </a:stretch>
-        </p:blipFill>
-        <p:spPr>
-          <a:xfrm>
-            <a:off x="27818410" y="25819419"/>
-            <a:ext cx="2766552" cy="876899"/>
-          </a:xfrm>
-          <a:prstGeom prst="rect">
-            <a:avLst/>
-          </a:prstGeom>
-          <a:ln w="12700">
-            <a:miter lim="400000"/>
-          </a:ln>
-        </p:spPr>
-      </p:pic>
-      <p:sp>
-        <p:nvSpPr>
-          <p:cNvPr id="129" name="In the wake of unprecedented global challenges, the urgency for collective action has never been more apparent. Climate change continues to threaten ecosystems, exacerbating natural disasters and disrupting livelihoods. Socioeconomic inequalities persist"/>
-          <p:cNvSpPr txBox="1"/>
-          <p:nvPr/>
-        </p:nvSpPr>
-        <p:spPr>
-          <a:xfrm>
-            <a:off x="28176943" y="21253393"/>
-            <a:ext cx="9815447" cy="10594341"/>
-          </a:xfrm>
-          <a:prstGeom prst="rect">
-            <a:avLst/>
-          </a:prstGeom>
-          <a:ln w="12700">
-            <a:miter lim="400000"/>
-          </a:ln>
-          <a:extLst>
-            <a:ext uri="{C572A759-6A51-4108-AA02-DFA0A04FC94B}">
-              <ma14:wrappingTextBoxFlag xmlns:ma14="http://schemas.microsoft.com/office/mac/drawingml/2011/main" xmlns:a14="http://schemas.microsoft.com/office/drawing/2010/main" xmlns:m="http://schemas.openxmlformats.org/officeDocument/2006/math" xmlns="" val="1"/>
-            </a:ext>
-          </a:extLst>
-        </p:spPr>
-        <p:txBody>
-          <a:bodyPr lIns="45719" rIns="45719">
-            <a:spAutoFit/>
-          </a:bodyPr>
-          <a:lstStyle/>
-          <a:p>
-            <a:pPr>
-              <a:defRPr sz="2400">
-                <a:latin typeface="+mn-lt"/>
-                <a:ea typeface="+mn-ea"/>
-                <a:cs typeface="+mn-cs"/>
-                <a:sym typeface="Helvetica"/>
-              </a:defRPr>
-            </a:pPr>
-            <a:r>
-              <a:rPr dirty="0"/>
-              <a:t>In the wake of unprecedented global challenges, the urgency for collective action has never been more apparent. Climate change continues to threaten ecosystems, exacerbating natural disasters and disrupting livelihoods. Socioeconomic inequalities persist, amplifying disparities in access to healthcare, education, and economic opportunities. Political tensions simmer, fueling conflicts and undermining international cooperation. In this complex landscape, fostering empathy, understanding, and resilience becomes paramount. It requires bold leadership, innovative solutions, and a shared commitment to address systemic issues at their root. The path forward demands courage, compassion, and collaboration, as we navigate the intricate tapestry of our interconnected world, striving to build a more just and sustainable future for generations to come.</a:t>
-            </a:r>
-          </a:p>
-          <a:p>
-            <a:pPr>
-              <a:defRPr sz="2400">
-                <a:latin typeface="+mn-lt"/>
-                <a:ea typeface="+mn-ea"/>
-                <a:cs typeface="+mn-cs"/>
-                <a:sym typeface="Helvetica"/>
-              </a:defRPr>
-            </a:pPr>
-            <a:endParaRPr dirty="0"/>
-          </a:p>
-          <a:p>
-            <a:pPr>
-              <a:spcBef>
-                <a:spcPts val="2000"/>
-              </a:spcBef>
-              <a:defRPr sz="1600">
-                <a:latin typeface="+mn-lt"/>
-                <a:ea typeface="+mn-ea"/>
-                <a:cs typeface="+mn-cs"/>
-                <a:sym typeface="Helvetica"/>
-              </a:defRPr>
-            </a:pPr>
-            <a:r>
-              <a:rPr dirty="0"/>
-              <a:t>Optimal control theory is a powerful framework used in engineering, economics, and various other fields to design control strategies that optimize the performance of a system while adhering to specified constraints. At its core, optimal control seeks to find the control inputs that minimize or maximize an objective function, often representing a cost or utility associated with the system's behavior over time.</a:t>
-            </a:r>
-          </a:p>
-          <a:p>
-            <a:pPr>
-              <a:spcBef>
-                <a:spcPts val="2000"/>
-              </a:spcBef>
-              <a:defRPr sz="1600">
-                <a:latin typeface="+mn-lt"/>
-                <a:ea typeface="+mn-ea"/>
-                <a:cs typeface="+mn-cs"/>
-                <a:sym typeface="Helvetica"/>
-              </a:defRPr>
-            </a:pPr>
-            <a:r>
-              <a:rPr dirty="0"/>
-              <a:t>In engineering applications, optimal control plays a crucial role in designing efficient and robust control systems for complex dynamical systems. Whether it's guiding a spacecraft to its destination with minimal fuel consumption, stabilizing an aircraft during flight, or regulating the operation of industrial processes, optimal control techniques provide a systematic approach to achieving desired performance objectives while accounting for constraints such as energy limitations, safety requirements, and environmental considerations.</a:t>
-            </a:r>
-          </a:p>
-          <a:p>
-            <a:pPr>
-              <a:spcBef>
-                <a:spcPts val="2000"/>
-              </a:spcBef>
-              <a:defRPr sz="1600">
-                <a:latin typeface="+mn-lt"/>
-                <a:ea typeface="+mn-ea"/>
-                <a:cs typeface="+mn-cs"/>
-                <a:sym typeface="Helvetica"/>
-              </a:defRPr>
-            </a:pPr>
-            <a:r>
-              <a:rPr dirty="0"/>
-              <a:t>In economics, optimal control is employed to study decision-making processes in dynamic systems, such as resource allocation, investment strategies, and policy design. By formulating mathematical models that represent the dynamics of economic systems and the objectives of decision-makers, economists can use optimal control theory to identify optimal policies that maximize social welfare, economic growth, or other desirable outcomes, taking into account factors like resource constraints, uncertainty, and competing objectives.</a:t>
-            </a:r>
-          </a:p>
-          <a:p>
-            <a:pPr>
-              <a:defRPr sz="1600">
-                <a:latin typeface="+mn-lt"/>
-                <a:ea typeface="+mn-ea"/>
-                <a:cs typeface="+mn-cs"/>
-                <a:sym typeface="Helvetica"/>
-              </a:defRPr>
-            </a:pPr>
-            <a:r>
-              <a:rPr dirty="0"/>
-              <a:t>Overall, optimal control theory provides a rigorous framework for addressing a wide range of optimization problems in dynamic systems, offering insights and methodologies that are indispensable for tackling real-world challenges in diverse domains.</a:t>
-            </a:r>
-          </a:p>
-        </p:txBody>
-      </p:sp>
-      <p:sp>
-        <p:nvSpPr>
-          <p:cNvPr id="130" name="In engineering applications, optimal control plays a crucial role in designing efficient and robust control systems for complex dynamical systems. Whether it's guiding a spacecraft to its destination with minimal fuel consumption, stabilizing an aircraft"/>
-          <p:cNvSpPr txBox="1"/>
-          <p:nvPr/>
-        </p:nvSpPr>
-        <p:spPr>
-          <a:xfrm>
-            <a:off x="40082525" y="10696634"/>
-            <a:ext cx="10327127" cy="7965441"/>
-          </a:xfrm>
-          <a:prstGeom prst="rect">
-            <a:avLst/>
-          </a:prstGeom>
-          <a:ln w="12700">
-            <a:miter lim="400000"/>
-          </a:ln>
-          <a:extLst>
-            <a:ext uri="{C572A759-6A51-4108-AA02-DFA0A04FC94B}">
-              <ma14:wrappingTextBoxFlag xmlns:ma14="http://schemas.microsoft.com/office/mac/drawingml/2011/main" xmlns:a14="http://schemas.microsoft.com/office/drawing/2010/main" xmlns:m="http://schemas.openxmlformats.org/officeDocument/2006/math" xmlns="" val="1"/>
-            </a:ext>
-          </a:extLst>
-        </p:spPr>
-        <p:txBody>
-          <a:bodyPr lIns="45719" rIns="45719">
-            <a:spAutoFit/>
-          </a:bodyPr>
-          <a:lstStyle/>
-          <a:p>
-            <a:pPr>
-              <a:spcBef>
-                <a:spcPts val="2000"/>
-              </a:spcBef>
-              <a:defRPr sz="2400">
-                <a:latin typeface="+mn-lt"/>
-                <a:ea typeface="+mn-ea"/>
-                <a:cs typeface="+mn-cs"/>
-                <a:sym typeface="Helvetica"/>
-              </a:defRPr>
-            </a:pPr>
-            <a:r>
-              <a:t>In engineering applications, optimal control plays a crucial role in designing efficient and robust control systems for complex dynamical systems. Whether it's guiding a spacecraft to its destination with minimal fuel consumption, stabilizing an aircraft during flight, or regulating the operation of industrial processes, optimal control techniques provide a systematic approach to achieving desired performance objectives while accounting for constraints such as energy limitations, safety requirements, and environmental considerations.</a:t>
-            </a:r>
-          </a:p>
-          <a:p>
-            <a:pPr>
-              <a:spcBef>
-                <a:spcPts val="2000"/>
-              </a:spcBef>
-              <a:defRPr sz="2400">
-                <a:latin typeface="+mn-lt"/>
-                <a:ea typeface="+mn-ea"/>
-                <a:cs typeface="+mn-cs"/>
-                <a:sym typeface="Helvetica"/>
-              </a:defRPr>
-            </a:pPr>
-            <a:r>
-              <a:t>In economics, optimal control is employed to study decision-making processes in dynamic systems, such as resource allocation, investment strategies, and policy design. By formulating mathematical models that represent the dynamics of economic systems and the objectives of decision-makers, economists can use optimal control theory to identify optimal policies that maximize social welfare, economic growth, or other desirable outcomes, taking into account factors like resource constraints, uncertainty, and competing objectives.</a:t>
-            </a:r>
-          </a:p>
-          <a:p>
-            <a:pPr>
-              <a:defRPr sz="2400">
-                <a:latin typeface="+mn-lt"/>
-                <a:ea typeface="+mn-ea"/>
-                <a:cs typeface="+mn-cs"/>
-                <a:sym typeface="Helvetica"/>
-              </a:defRPr>
-            </a:pPr>
-            <a:r>
-              <a:t>Overall, optimal control theory provides a rigorous framework for addressing a wide range of optimization problems in dynamic systems, offering insights and methodologies that are indispensable for tackling real-world challenges in diverse domains.</a:t>
-            </a:r>
-          </a:p>
-        </p:txBody>
-      </p:sp>
-      <p:pic>
-        <p:nvPicPr>
           <p:cNvPr id="6" name="Picture 2">
             <a:extLst>
               <a:ext uri="{FF2B5EF4-FFF2-40B4-BE49-F238E27FC236}">
@@ -4690,7 +4012,7 @@
           <p:nvPr/>
         </p:nvPicPr>
         <p:blipFill rotWithShape="1">
-          <a:blip r:embed="rId12">
+          <a:blip r:embed="rId4">
             <a:extLst>
               <a:ext uri="{28A0092B-C50C-407E-A947-70E740481C1C}">
                 <a14:useLocalDpi xmlns:a14="http://schemas.microsoft.com/office/drawing/2010/main" val="0"/>
@@ -4702,7 +4024,7 @@
         </p:blipFill>
         <p:spPr bwMode="auto">
           <a:xfrm>
-            <a:off x="1907462" y="431468"/>
+            <a:off x="1316840" y="373273"/>
             <a:ext cx="48648918" cy="6214625"/>
           </a:xfrm>
           <a:prstGeom prst="rect">
@@ -4738,7 +4060,7 @@
           <p:nvPr/>
         </p:nvPicPr>
         <p:blipFill>
-          <a:blip r:embed="rId13"/>
+          <a:blip r:embed="rId5"/>
           <a:stretch>
             <a:fillRect/>
           </a:stretch>
@@ -4771,7 +4093,7 @@
           <p:nvPr/>
         </p:nvPicPr>
         <p:blipFill>
-          <a:blip r:embed="rId14"/>
+          <a:blip r:embed="rId6"/>
           <a:stretch>
             <a:fillRect/>
           </a:stretch>
@@ -4836,7 +4158,7 @@
             <a:pPr algn="ctr"/>
             <a:r>
               <a:rPr lang="en-US" sz="60800" dirty="0"/>
-              <a:t>Charting Uncharted Waters</a:t>
+              <a:t>Uncharted Waters</a:t>
             </a:r>
             <a:endParaRPr lang="en-US" sz="5400" dirty="0"/>
           </a:p>
@@ -4962,7 +4284,7 @@
           <p:nvPr/>
         </p:nvPicPr>
         <p:blipFill>
-          <a:blip r:embed="rId15">
+          <a:blip r:embed="rId7">
             <a:extLst>
               <a:ext uri="{28A0092B-C50C-407E-A947-70E740481C1C}">
                 <a14:useLocalDpi xmlns:a14="http://schemas.microsoft.com/office/drawing/2010/main" val="0"/>
@@ -4976,8 +4298,8 @@
         </p:blipFill>
         <p:spPr bwMode="auto">
           <a:xfrm>
-            <a:off x="704834" y="31645208"/>
-            <a:ext cx="6031805" cy="5866980"/>
+            <a:off x="10036801" y="32014048"/>
+            <a:ext cx="5860818" cy="5700665"/>
           </a:xfrm>
           <a:prstGeom prst="rect">
             <a:avLst/>
@@ -4994,6 +4316,747 @@
           </a:extLst>
         </p:spPr>
       </p:pic>
+      <p:sp>
+        <p:nvSpPr>
+          <p:cNvPr id="17" name="TextBox 9">
+            <a:extLst>
+              <a:ext uri="{FF2B5EF4-FFF2-40B4-BE49-F238E27FC236}">
+                <a16:creationId xmlns:a16="http://schemas.microsoft.com/office/drawing/2014/main" id="{7369A6DF-6EEE-CA80-7E85-24296C31F5AF}"/>
+              </a:ext>
+            </a:extLst>
+          </p:cNvPr>
+          <p:cNvSpPr txBox="1"/>
+          <p:nvPr/>
+        </p:nvSpPr>
+        <p:spPr>
+          <a:xfrm>
+            <a:off x="38267753" y="7968285"/>
+            <a:ext cx="12013341" cy="1323439"/>
+          </a:xfrm>
+          <a:prstGeom prst="rect">
+            <a:avLst/>
+          </a:prstGeom>
+          <a:ln w="12700">
+            <a:miter lim="400000"/>
+          </a:ln>
+          <a:extLst>
+            <a:ext uri="{C572A759-6A51-4108-AA02-DFA0A04FC94B}">
+              <ma14:wrappingTextBoxFlag xmlns:ma14="http://schemas.microsoft.com/office/mac/drawingml/2011/main" xmlns:a14="http://schemas.microsoft.com/office/drawing/2010/main" xmlns:m="http://schemas.openxmlformats.org/officeDocument/2006/math" xmlns="" val="1"/>
+            </a:ext>
+          </a:extLst>
+        </p:spPr>
+        <p:txBody>
+          <a:bodyPr lIns="45719" rIns="45719">
+            <a:spAutoFit/>
+          </a:bodyPr>
+          <a:lstStyle/>
+          <a:p>
+            <a:pPr>
+              <a:defRPr sz="4000" b="1"/>
+            </a:pPr>
+            <a:r>
+              <a:rPr lang="en-US" dirty="0"/>
+              <a:t>Results</a:t>
+            </a:r>
+          </a:p>
+          <a:p>
+            <a:pPr>
+              <a:defRPr sz="4000" b="1"/>
+            </a:pPr>
+            <a:endParaRPr i="1" dirty="0"/>
+          </a:p>
+        </p:txBody>
+      </p:sp>
+      <p:sp>
+        <p:nvSpPr>
+          <p:cNvPr id="20" name="TextBox 19">
+            <a:extLst>
+              <a:ext uri="{FF2B5EF4-FFF2-40B4-BE49-F238E27FC236}">
+                <a16:creationId xmlns:a16="http://schemas.microsoft.com/office/drawing/2014/main" id="{F4FBD422-2A01-6E11-7261-B6CE07AF62C4}"/>
+              </a:ext>
+            </a:extLst>
+          </p:cNvPr>
+          <p:cNvSpPr txBox="1"/>
+          <p:nvPr/>
+        </p:nvSpPr>
+        <p:spPr>
+          <a:xfrm>
+            <a:off x="17029100" y="8128931"/>
+            <a:ext cx="15499210" cy="1569658"/>
+          </a:xfrm>
+          <a:prstGeom prst="rect">
+            <a:avLst/>
+          </a:prstGeom>
+          <a:noFill/>
+          <a:ln w="12700" cap="flat">
+            <a:noFill/>
+            <a:miter lim="400000"/>
+          </a:ln>
+          <a:effectLst/>
+          <a:sp3d/>
+        </p:spPr>
+        <p:style>
+          <a:lnRef idx="0">
+            <a:scrgbClr r="0" g="0" b="0"/>
+          </a:lnRef>
+          <a:fillRef idx="0">
+            <a:scrgbClr r="0" g="0" b="0"/>
+          </a:fillRef>
+          <a:effectRef idx="0">
+            <a:scrgbClr r="0" g="0" b="0"/>
+          </a:effectRef>
+          <a:fontRef idx="none"/>
+        </p:style>
+        <p:txBody>
+          <a:bodyPr rot="0" spcFirstLastPara="1" vertOverflow="overflow" horzOverflow="overflow" vert="horz" wrap="square" lIns="45719" tIns="45719" rIns="45719" bIns="45719" numCol="1" spcCol="38100" rtlCol="0" anchor="t">
+            <a:spAutoFit/>
+          </a:bodyPr>
+          <a:lstStyle/>
+          <a:p>
+            <a:pPr marL="0" marR="0" indent="0" algn="l" defTabSz="457200" rtl="0" fontAlgn="auto" latinLnBrk="0" hangingPunct="0">
+              <a:lnSpc>
+                <a:spcPct val="100000"/>
+              </a:lnSpc>
+              <a:spcBef>
+                <a:spcPts val="0"/>
+              </a:spcBef>
+              <a:spcAft>
+                <a:spcPts val="0"/>
+              </a:spcAft>
+              <a:buClrTx/>
+              <a:buSzTx/>
+              <a:buFontTx/>
+              <a:buNone/>
+              <a:tabLst/>
+            </a:pPr>
+            <a:r>
+              <a:rPr lang="en-US" sz="4800" dirty="0"/>
+              <a:t>To get our state equation, we have: </a:t>
+            </a:r>
+          </a:p>
+          <a:p>
+            <a:pPr marL="0" marR="0" indent="0" algn="l" defTabSz="457200" rtl="0" fontAlgn="auto" latinLnBrk="0" hangingPunct="0">
+              <a:lnSpc>
+                <a:spcPct val="100000"/>
+              </a:lnSpc>
+              <a:spcBef>
+                <a:spcPts val="0"/>
+              </a:spcBef>
+              <a:spcAft>
+                <a:spcPts val="0"/>
+              </a:spcAft>
+              <a:buClrTx/>
+              <a:buSzTx/>
+              <a:buFontTx/>
+              <a:buNone/>
+              <a:tabLst/>
+            </a:pPr>
+            <a:endParaRPr lang="en-US" sz="4800" dirty="0"/>
+          </a:p>
+        </p:txBody>
+      </p:sp>
+      <p:pic>
+        <p:nvPicPr>
+          <p:cNvPr id="22" name="Picture 21" descr="A black rectangular object with letters and numbers&#10;&#10;AI-generated content may be incorrect.">
+            <a:extLst>
+              <a:ext uri="{FF2B5EF4-FFF2-40B4-BE49-F238E27FC236}">
+                <a16:creationId xmlns:a16="http://schemas.microsoft.com/office/drawing/2014/main" id="{F4141F76-1376-DB4F-F6F4-B365DA417A6B}"/>
+              </a:ext>
+            </a:extLst>
+          </p:cNvPr>
+          <p:cNvPicPr>
+            <a:picLocks noChangeAspect="1"/>
+          </p:cNvPicPr>
+          <p:nvPr/>
+        </p:nvPicPr>
+        <p:blipFill>
+          <a:blip r:embed="rId8">
+            <a:extLst>
+              <a:ext uri="{28A0092B-C50C-407E-A947-70E740481C1C}">
+                <a14:useLocalDpi xmlns:a14="http://schemas.microsoft.com/office/drawing/2010/main" val="0"/>
+              </a:ext>
+            </a:extLst>
+          </a:blip>
+          <a:stretch>
+            <a:fillRect/>
+          </a:stretch>
+        </p:blipFill>
+        <p:spPr>
+          <a:xfrm>
+            <a:off x="26469748" y="7142791"/>
+            <a:ext cx="7080538" cy="3288774"/>
+          </a:xfrm>
+          <a:prstGeom prst="rect">
+            <a:avLst/>
+          </a:prstGeom>
+        </p:spPr>
+      </p:pic>
+      <mc:AlternateContent xmlns:mc="http://schemas.openxmlformats.org/markup-compatibility/2006">
+        <mc:Choice xmlns:a14="http://schemas.microsoft.com/office/drawing/2010/main" Requires="a14">
+          <p:sp>
+            <p:nvSpPr>
+              <p:cNvPr id="23" name="TextBox 22">
+                <a:extLst>
+                  <a:ext uri="{FF2B5EF4-FFF2-40B4-BE49-F238E27FC236}">
+                    <a16:creationId xmlns:a16="http://schemas.microsoft.com/office/drawing/2014/main" id="{54CCEB17-70EF-6053-37F5-3F2F7AB737AC}"/>
+                  </a:ext>
+                </a:extLst>
+              </p:cNvPr>
+              <p:cNvSpPr txBox="1"/>
+              <p:nvPr/>
+            </p:nvSpPr>
+            <p:spPr>
+              <a:xfrm>
+                <a:off x="17134814" y="10489086"/>
+                <a:ext cx="18039106" cy="6798590"/>
+              </a:xfrm>
+              <a:prstGeom prst="rect">
+                <a:avLst/>
+              </a:prstGeom>
+              <a:noFill/>
+              <a:ln w="12700" cap="flat">
+                <a:noFill/>
+                <a:miter lim="400000"/>
+              </a:ln>
+              <a:effectLst/>
+              <a:sp3d/>
+            </p:spPr>
+            <p:style>
+              <a:lnRef idx="0">
+                <a:scrgbClr r="0" g="0" b="0"/>
+              </a:lnRef>
+              <a:fillRef idx="0">
+                <a:scrgbClr r="0" g="0" b="0"/>
+              </a:fillRef>
+              <a:effectRef idx="0">
+                <a:scrgbClr r="0" g="0" b="0"/>
+              </a:effectRef>
+              <a:fontRef idx="none"/>
+            </p:style>
+            <p:txBody>
+              <a:bodyPr rot="0" spcFirstLastPara="1" vertOverflow="overflow" horzOverflow="overflow" vert="horz" wrap="square" lIns="45719" tIns="45719" rIns="45719" bIns="45719" numCol="1" spcCol="38100" rtlCol="0" anchor="t">
+                <a:spAutoFit/>
+              </a:bodyPr>
+              <a:lstStyle/>
+              <a:p>
+                <a:r>
+                  <a:rPr kumimoji="0" lang="en-US" sz="4800" b="0" i="0" u="none" strike="noStrike" cap="none" spc="0" normalizeH="0" baseline="0" dirty="0">
+                    <a:ln>
+                      <a:noFill/>
+                    </a:ln>
+                    <a:solidFill>
+                      <a:srgbClr val="000000"/>
+                    </a:solidFill>
+                    <a:effectLst/>
+                    <a:uFillTx/>
+                    <a:latin typeface="+mj-lt"/>
+                    <a:ea typeface="+mj-ea"/>
+                    <a:cs typeface="+mj-cs"/>
+                    <a:sym typeface="Calibri"/>
+                  </a:rPr>
+                  <a:t>In order to set up S’, we need to first find a function for acceleration. To do this, we first set the mass of the boat equal to 1. Then we project the wind onto a vector perpendicular to the sail, then project that onto the direction the ship is moving (assuming no drift), giving us the acceleration of the ship. This gives us the rather complicated equation for S’, </a:t>
+                </a:r>
+                <a:r>
+                  <a:rPr lang="en-US" sz="4800" dirty="0"/>
+                  <a:t>w</a:t>
+                </a:r>
+                <a:r>
+                  <a:rPr kumimoji="0" lang="en-US" sz="4800" b="0" i="0" u="none" strike="noStrike" cap="none" spc="0" normalizeH="0" baseline="0" dirty="0">
+                    <a:ln>
+                      <a:noFill/>
+                    </a:ln>
+                    <a:solidFill>
+                      <a:srgbClr val="000000"/>
+                    </a:solidFill>
+                    <a:effectLst/>
+                    <a:uFillTx/>
+                    <a:latin typeface="+mj-lt"/>
+                    <a:ea typeface="+mj-ea"/>
+                    <a:cs typeface="+mj-cs"/>
+                    <a:sym typeface="Calibri"/>
+                  </a:rPr>
+                  <a:t>here </a:t>
+                </a:r>
+                <a:r>
+                  <a:rPr lang="en-US" sz="4800" dirty="0"/>
+                  <a:t> </a:t>
+                </a:r>
+                <a:r>
+                  <a:rPr lang="el-GR" sz="4800" dirty="0"/>
+                  <a:t>θ </a:t>
+                </a:r>
+                <a:r>
+                  <a:rPr lang="en-US" sz="4800" dirty="0"/>
+                  <a:t>= </a:t>
+                </a:r>
+                <a14:m>
+                  <m:oMath xmlns:m="http://schemas.openxmlformats.org/officeDocument/2006/math">
+                    <m:sSub>
+                      <m:sSubPr>
+                        <m:ctrlPr>
+                          <a:rPr lang="en-US" sz="4800" i="1" smtClean="0">
+                            <a:latin typeface="Cambria Math" panose="02040503050406030204" pitchFamily="18" charset="0"/>
+                          </a:rPr>
+                        </m:ctrlPr>
+                      </m:sSubPr>
+                      <m:e>
+                        <m:r>
+                          <m:rPr>
+                            <m:nor/>
+                          </m:rPr>
+                          <a:rPr lang="el-GR" sz="4800" dirty="0"/>
+                          <m:t>θ</m:t>
+                        </m:r>
+                      </m:e>
+                      <m:sub>
+                        <m:r>
+                          <a:rPr lang="en-US" sz="4800" b="0" i="1" smtClean="0">
+                            <a:latin typeface="Cambria Math" panose="02040503050406030204" pitchFamily="18" charset="0"/>
+                          </a:rPr>
+                          <m:t>𝑏</m:t>
+                        </m:r>
+                      </m:sub>
+                    </m:sSub>
+                  </m:oMath>
+                </a14:m>
+                <a:r>
+                  <a:rPr kumimoji="0" lang="en-US" sz="4800" b="0" i="0" u="none" strike="noStrike" cap="none" spc="0" normalizeH="0" baseline="0" dirty="0">
+                    <a:ln>
+                      <a:noFill/>
+                    </a:ln>
+                    <a:solidFill>
+                      <a:srgbClr val="000000"/>
+                    </a:solidFill>
+                    <a:effectLst/>
+                    <a:uFillTx/>
+                    <a:latin typeface="+mj-lt"/>
+                    <a:ea typeface="+mj-ea"/>
+                    <a:cs typeface="+mj-cs"/>
+                    <a:sym typeface="Calibri"/>
+                  </a:rPr>
+                  <a:t>+</a:t>
+                </a:r>
+                <a:r>
+                  <a:rPr lang="en-US" sz="4800" dirty="0"/>
+                  <a:t> </a:t>
+                </a:r>
+                <a14:m>
+                  <m:oMath xmlns:m="http://schemas.openxmlformats.org/officeDocument/2006/math">
+                    <m:r>
+                      <a:rPr lang="en-US" sz="4800" i="1">
+                        <a:latin typeface="Cambria Math" panose="02040503050406030204" pitchFamily="18" charset="0"/>
+                        <a:ea typeface="Cambria Math" panose="02040503050406030204" pitchFamily="18" charset="0"/>
+                      </a:rPr>
+                      <m:t>𝜑</m:t>
+                    </m:r>
+                    <m:r>
+                      <a:rPr lang="en-US" sz="4800" b="0" i="1" smtClean="0">
+                        <a:latin typeface="Cambria Math" panose="02040503050406030204" pitchFamily="18" charset="0"/>
+                        <a:ea typeface="Cambria Math" panose="02040503050406030204" pitchFamily="18" charset="0"/>
+                      </a:rPr>
+                      <m:t> </m:t>
+                    </m:r>
+                  </m:oMath>
+                </a14:m>
+                <a:r>
+                  <a:rPr kumimoji="0" lang="en-US" sz="4800" b="0" i="0" u="none" strike="noStrike" cap="none" spc="0" normalizeH="0" baseline="0" dirty="0">
+                    <a:ln>
+                      <a:noFill/>
+                    </a:ln>
+                    <a:solidFill>
+                      <a:srgbClr val="000000"/>
+                    </a:solidFill>
+                    <a:effectLst/>
+                    <a:uFillTx/>
+                    <a:latin typeface="+mj-lt"/>
+                    <a:ea typeface="+mj-ea"/>
+                    <a:cs typeface="+mj-cs"/>
+                    <a:sym typeface="Calibri"/>
+                  </a:rPr>
+                  <a:t>and </a:t>
+                </a:r>
+                <a14:m>
+                  <m:oMath xmlns:m="http://schemas.openxmlformats.org/officeDocument/2006/math">
+                    <m:sSub>
+                      <m:sSubPr>
+                        <m:ctrlPr>
+                          <a:rPr kumimoji="0" lang="en-US" sz="4800" b="0" i="1" u="none" strike="noStrike" cap="none" spc="0" normalizeH="0" baseline="0" smtClean="0">
+                            <a:ln>
+                              <a:noFill/>
+                            </a:ln>
+                            <a:solidFill>
+                              <a:srgbClr val="000000"/>
+                            </a:solidFill>
+                            <a:effectLst/>
+                            <a:uFillTx/>
+                            <a:latin typeface="Cambria Math" panose="02040503050406030204" pitchFamily="18" charset="0"/>
+                            <a:ea typeface="+mj-ea"/>
+                            <a:cs typeface="+mj-cs"/>
+                            <a:sym typeface="Calibri"/>
+                          </a:rPr>
+                        </m:ctrlPr>
+                      </m:sSubPr>
+                      <m:e>
+                        <m:r>
+                          <a:rPr kumimoji="0" lang="en-US" sz="4800" b="0" i="1" u="none" strike="noStrike" cap="none" spc="0" normalizeH="0" baseline="0" smtClean="0">
+                            <a:ln>
+                              <a:noFill/>
+                            </a:ln>
+                            <a:solidFill>
+                              <a:srgbClr val="000000"/>
+                            </a:solidFill>
+                            <a:effectLst/>
+                            <a:uFillTx/>
+                            <a:latin typeface="Cambria Math" panose="02040503050406030204" pitchFamily="18" charset="0"/>
+                            <a:ea typeface="+mj-ea"/>
+                            <a:cs typeface="+mj-cs"/>
+                            <a:sym typeface="Calibri"/>
+                          </a:rPr>
+                          <m:t>𝑤</m:t>
+                        </m:r>
+                      </m:e>
+                      <m:sub>
+                        <m:r>
+                          <a:rPr kumimoji="0" lang="en-US" sz="4800" b="0" i="1" u="none" strike="noStrike" cap="none" spc="0" normalizeH="0" baseline="0" smtClean="0">
+                            <a:ln>
+                              <a:noFill/>
+                            </a:ln>
+                            <a:solidFill>
+                              <a:srgbClr val="000000"/>
+                            </a:solidFill>
+                            <a:effectLst/>
+                            <a:uFillTx/>
+                            <a:latin typeface="Cambria Math" panose="02040503050406030204" pitchFamily="18" charset="0"/>
+                            <a:ea typeface="+mj-ea"/>
+                            <a:cs typeface="+mj-cs"/>
+                            <a:sym typeface="Calibri"/>
+                          </a:rPr>
+                          <m:t>𝑥</m:t>
+                        </m:r>
+                      </m:sub>
+                    </m:sSub>
+                  </m:oMath>
+                </a14:m>
+                <a:r>
+                  <a:rPr kumimoji="0" lang="en-US" sz="4800" b="0" i="0" u="none" strike="noStrike" cap="none" spc="0" normalizeH="0" baseline="0" dirty="0">
+                    <a:ln>
+                      <a:noFill/>
+                    </a:ln>
+                    <a:solidFill>
+                      <a:srgbClr val="000000"/>
+                    </a:solidFill>
+                    <a:effectLst/>
+                    <a:uFillTx/>
+                    <a:latin typeface="+mj-lt"/>
+                    <a:ea typeface="+mj-ea"/>
+                    <a:cs typeface="+mj-cs"/>
+                    <a:sym typeface="Calibri"/>
+                  </a:rPr>
+                  <a:t> and </a:t>
+                </a:r>
+                <a14:m>
+                  <m:oMath xmlns:m="http://schemas.openxmlformats.org/officeDocument/2006/math">
+                    <m:sSub>
+                      <m:sSubPr>
+                        <m:ctrlPr>
+                          <a:rPr kumimoji="0" lang="en-US" sz="4800" b="0" i="1" u="none" strike="noStrike" cap="none" spc="0" normalizeH="0" baseline="0" smtClean="0">
+                            <a:ln>
+                              <a:noFill/>
+                            </a:ln>
+                            <a:solidFill>
+                              <a:srgbClr val="000000"/>
+                            </a:solidFill>
+                            <a:effectLst/>
+                            <a:uFillTx/>
+                            <a:latin typeface="Cambria Math" panose="02040503050406030204" pitchFamily="18" charset="0"/>
+                            <a:ea typeface="+mj-ea"/>
+                            <a:cs typeface="+mj-cs"/>
+                            <a:sym typeface="Calibri"/>
+                          </a:rPr>
+                        </m:ctrlPr>
+                      </m:sSubPr>
+                      <m:e>
+                        <m:r>
+                          <a:rPr kumimoji="0" lang="en-US" sz="4800" b="0" i="1" u="none" strike="noStrike" cap="none" spc="0" normalizeH="0" baseline="0" smtClean="0">
+                            <a:ln>
+                              <a:noFill/>
+                            </a:ln>
+                            <a:solidFill>
+                              <a:srgbClr val="000000"/>
+                            </a:solidFill>
+                            <a:effectLst/>
+                            <a:uFillTx/>
+                            <a:latin typeface="Cambria Math" panose="02040503050406030204" pitchFamily="18" charset="0"/>
+                            <a:ea typeface="+mj-ea"/>
+                            <a:cs typeface="+mj-cs"/>
+                            <a:sym typeface="Calibri"/>
+                          </a:rPr>
+                          <m:t>𝑤</m:t>
+                        </m:r>
+                      </m:e>
+                      <m:sub>
+                        <m:r>
+                          <a:rPr kumimoji="0" lang="en-US" sz="4800" b="0" i="1" u="none" strike="noStrike" cap="none" spc="0" normalizeH="0" baseline="0" smtClean="0">
+                            <a:ln>
+                              <a:noFill/>
+                            </a:ln>
+                            <a:solidFill>
+                              <a:srgbClr val="000000"/>
+                            </a:solidFill>
+                            <a:effectLst/>
+                            <a:uFillTx/>
+                            <a:latin typeface="Cambria Math" panose="02040503050406030204" pitchFamily="18" charset="0"/>
+                            <a:ea typeface="+mj-ea"/>
+                            <a:cs typeface="+mj-cs"/>
+                            <a:sym typeface="Calibri"/>
+                          </a:rPr>
+                          <m:t>𝑦</m:t>
+                        </m:r>
+                      </m:sub>
+                    </m:sSub>
+                  </m:oMath>
+                </a14:m>
+                <a:r>
+                  <a:rPr kumimoji="0" lang="en-US" sz="4800" b="0" i="0" u="none" strike="noStrike" cap="none" spc="0" normalizeH="0" baseline="0" dirty="0">
+                    <a:ln>
+                      <a:noFill/>
+                    </a:ln>
+                    <a:solidFill>
+                      <a:srgbClr val="000000"/>
+                    </a:solidFill>
+                    <a:effectLst/>
+                    <a:uFillTx/>
+                    <a:latin typeface="+mj-lt"/>
+                    <a:ea typeface="+mj-ea"/>
+                    <a:cs typeface="+mj-cs"/>
+                    <a:sym typeface="Calibri"/>
+                  </a:rPr>
+                  <a:t> are the x and y components of the wind vector, respectively</a:t>
+                </a:r>
+                <a:r>
+                  <a:rPr lang="en-US" sz="4800" dirty="0"/>
+                  <a:t>:</a:t>
+                </a:r>
+                <a:endParaRPr kumimoji="0" lang="en-US" sz="4800" b="0" i="0" u="none" strike="noStrike" cap="none" spc="0" normalizeH="0" baseline="0" dirty="0">
+                  <a:ln>
+                    <a:noFill/>
+                  </a:ln>
+                  <a:solidFill>
+                    <a:srgbClr val="000000"/>
+                  </a:solidFill>
+                  <a:effectLst/>
+                  <a:uFillTx/>
+                  <a:latin typeface="+mj-lt"/>
+                  <a:ea typeface="+mj-ea"/>
+                  <a:cs typeface="+mj-cs"/>
+                  <a:sym typeface="Calibri"/>
+                </a:endParaRPr>
+              </a:p>
+              <a:p>
+                <a:pPr marL="0" marR="0" indent="0" algn="l" defTabSz="457200" rtl="0" fontAlgn="auto" latinLnBrk="0" hangingPunct="0">
+                  <a:lnSpc>
+                    <a:spcPct val="100000"/>
+                  </a:lnSpc>
+                  <a:spcBef>
+                    <a:spcPts val="0"/>
+                  </a:spcBef>
+                  <a:spcAft>
+                    <a:spcPts val="0"/>
+                  </a:spcAft>
+                  <a:buClrTx/>
+                  <a:buSzTx/>
+                  <a:buFontTx/>
+                  <a:buNone/>
+                  <a:tabLst/>
+                </a:pPr>
+                <a:r>
+                  <a:rPr kumimoji="0" lang="en-US" sz="4800" b="0" i="0" u="none" strike="noStrike" cap="none" spc="0" normalizeH="0" baseline="0" dirty="0">
+                    <a:ln>
+                      <a:noFill/>
+                    </a:ln>
+                    <a:solidFill>
+                      <a:srgbClr val="000000"/>
+                    </a:solidFill>
+                    <a:effectLst/>
+                    <a:uFillTx/>
+                    <a:latin typeface="+mj-lt"/>
+                    <a:ea typeface="+mj-ea"/>
+                    <a:cs typeface="+mj-cs"/>
+                    <a:sym typeface="Calibri"/>
+                  </a:rPr>
+                  <a:t>:</a:t>
+                </a:r>
+              </a:p>
+              <a:p>
+                <a:pPr marL="0" marR="0" indent="0" algn="l" defTabSz="457200" rtl="0" fontAlgn="auto" latinLnBrk="0" hangingPunct="0">
+                  <a:lnSpc>
+                    <a:spcPct val="100000"/>
+                  </a:lnSpc>
+                  <a:spcBef>
+                    <a:spcPts val="0"/>
+                  </a:spcBef>
+                  <a:spcAft>
+                    <a:spcPts val="0"/>
+                  </a:spcAft>
+                  <a:buClrTx/>
+                  <a:buSzTx/>
+                  <a:buFontTx/>
+                  <a:buNone/>
+                  <a:tabLst/>
+                </a:pPr>
+                <a:endParaRPr kumimoji="0" lang="en-US" sz="4800" b="0" i="0" u="none" strike="noStrike" cap="none" spc="0" normalizeH="0" baseline="0" dirty="0">
+                  <a:ln>
+                    <a:noFill/>
+                  </a:ln>
+                  <a:solidFill>
+                    <a:srgbClr val="000000"/>
+                  </a:solidFill>
+                  <a:effectLst/>
+                  <a:uFillTx/>
+                  <a:latin typeface="+mj-lt"/>
+                  <a:ea typeface="+mj-ea"/>
+                  <a:cs typeface="+mj-cs"/>
+                  <a:sym typeface="Calibri"/>
+                </a:endParaRPr>
+              </a:p>
+            </p:txBody>
+          </p:sp>
+        </mc:Choice>
+        <mc:Fallback>
+          <p:sp>
+            <p:nvSpPr>
+              <p:cNvPr id="23" name="TextBox 22">
+                <a:extLst>
+                  <a:ext uri="{FF2B5EF4-FFF2-40B4-BE49-F238E27FC236}">
+                    <a16:creationId xmlns:a16="http://schemas.microsoft.com/office/drawing/2014/main" id="{54CCEB17-70EF-6053-37F5-3F2F7AB737AC}"/>
+                  </a:ext>
+                </a:extLst>
+              </p:cNvPr>
+              <p:cNvSpPr txBox="1">
+                <a:spLocks noRot="1" noChangeAspect="1" noMove="1" noResize="1" noEditPoints="1" noAdjustHandles="1" noChangeArrowheads="1" noChangeShapeType="1" noTextEdit="1"/>
+              </p:cNvSpPr>
+              <p:nvPr/>
+            </p:nvSpPr>
+            <p:spPr>
+              <a:xfrm>
+                <a:off x="17134814" y="10489086"/>
+                <a:ext cx="18039106" cy="6798590"/>
+              </a:xfrm>
+              <a:prstGeom prst="rect">
+                <a:avLst/>
+              </a:prstGeom>
+              <a:blipFill>
+                <a:blip r:embed="rId9"/>
+                <a:stretch>
+                  <a:fillRect l="-1830" t="-2239" r="-2182"/>
+                </a:stretch>
+              </a:blipFill>
+              <a:ln w="12700" cap="flat">
+                <a:noFill/>
+                <a:miter lim="400000"/>
+              </a:ln>
+              <a:effectLst/>
+            </p:spPr>
+            <p:txBody>
+              <a:bodyPr/>
+              <a:lstStyle/>
+              <a:p>
+                <a:r>
+                  <a:rPr lang="en-US">
+                    <a:noFill/>
+                  </a:rPr>
+                  <a:t> </a:t>
+                </a:r>
+              </a:p>
+            </p:txBody>
+          </p:sp>
+        </mc:Fallback>
+      </mc:AlternateContent>
+      <p:pic>
+        <p:nvPicPr>
+          <p:cNvPr id="26" name="Picture 25" descr="A math equations on a white background&#10;&#10;AI-generated content may be incorrect.">
+            <a:extLst>
+              <a:ext uri="{FF2B5EF4-FFF2-40B4-BE49-F238E27FC236}">
+                <a16:creationId xmlns:a16="http://schemas.microsoft.com/office/drawing/2014/main" id="{C5B2FCA6-08B3-1178-1BF8-E515CD737E76}"/>
+              </a:ext>
+            </a:extLst>
+          </p:cNvPr>
+          <p:cNvPicPr>
+            <a:picLocks noChangeAspect="1"/>
+          </p:cNvPicPr>
+          <p:nvPr/>
+        </p:nvPicPr>
+        <p:blipFill>
+          <a:blip r:embed="rId10">
+            <a:extLst>
+              <a:ext uri="{28A0092B-C50C-407E-A947-70E740481C1C}">
+                <a14:useLocalDpi xmlns:a14="http://schemas.microsoft.com/office/drawing/2010/main" val="0"/>
+              </a:ext>
+            </a:extLst>
+          </a:blip>
+          <a:stretch>
+            <a:fillRect/>
+          </a:stretch>
+        </p:blipFill>
+        <p:spPr>
+          <a:xfrm>
+            <a:off x="17035180" y="15877943"/>
+            <a:ext cx="18559956" cy="3462863"/>
+          </a:xfrm>
+          <a:prstGeom prst="rect">
+            <a:avLst/>
+          </a:prstGeom>
+        </p:spPr>
+      </p:pic>
+      <p:sp>
+        <p:nvSpPr>
+          <p:cNvPr id="28" name="Rectangle 38">
+            <a:extLst>
+              <a:ext uri="{FF2B5EF4-FFF2-40B4-BE49-F238E27FC236}">
+                <a16:creationId xmlns:a16="http://schemas.microsoft.com/office/drawing/2014/main" id="{577CCD6A-678E-2ED7-B30B-8B8BDCDE4094}"/>
+              </a:ext>
+            </a:extLst>
+          </p:cNvPr>
+          <p:cNvSpPr/>
+          <p:nvPr/>
+        </p:nvSpPr>
+        <p:spPr>
+          <a:xfrm>
+            <a:off x="35876772" y="6913927"/>
+            <a:ext cx="14088986" cy="12564886"/>
+          </a:xfrm>
+          <a:prstGeom prst="rect">
+            <a:avLst/>
+          </a:prstGeom>
+          <a:ln w="152400">
+            <a:solidFill>
+              <a:srgbClr val="2F5597"/>
+            </a:solidFill>
+            <a:miter/>
+          </a:ln>
+        </p:spPr>
+        <p:txBody>
+          <a:bodyPr lIns="45719" rIns="45719" anchor="ctr"/>
+          <a:lstStyle/>
+          <a:p>
+            <a:pPr algn="ctr">
+              <a:defRPr sz="2400">
+                <a:solidFill>
+                  <a:schemeClr val="accent1"/>
+                </a:solidFill>
+                <a:effectLst>
+                  <a:outerShdw blurRad="38100" dist="25400" dir="5400000" rotWithShape="0">
+                    <a:srgbClr val="6E747A">
+                      <a:alpha val="43000"/>
+                    </a:srgbClr>
+                  </a:outerShdw>
+                </a:effectLst>
+              </a:defRPr>
+            </a:pPr>
+            <a:endParaRPr dirty="0"/>
+          </a:p>
+        </p:txBody>
+      </p:sp>
     </p:spTree>
   </p:cSld>
   <p:clrMapOvr>

--- a/SHRIMP poster.pptx
+++ b/SHRIMP poster.pptx
@@ -5,10 +5,11 @@
     <p:sldMasterId id="2147483648" r:id="rId1"/>
   </p:sldMasterIdLst>
   <p:notesMasterIdLst>
-    <p:notesMasterId r:id="rId3"/>
+    <p:notesMasterId r:id="rId4"/>
   </p:notesMasterIdLst>
   <p:sldIdLst>
     <p:sldId id="256" r:id="rId2"/>
+    <p:sldId id="257" r:id="rId3"/>
   </p:sldIdLst>
   <p:sldSz cx="51206400" cy="38404800"/>
   <p:notesSz cx="6858000" cy="9144000"/>
@@ -2712,6 +2713,53 @@
           <a:chExt cx="0" cy="0"/>
         </a:xfrm>
       </p:grpSpPr>
+      <p:pic>
+        <p:nvPicPr>
+          <p:cNvPr id="1030" name="Picture 6" descr="The Best Freshwater Shrimp For Sale | Shrimpy Business">
+            <a:extLst>
+              <a:ext uri="{FF2B5EF4-FFF2-40B4-BE49-F238E27FC236}">
+                <a16:creationId xmlns:a16="http://schemas.microsoft.com/office/drawing/2014/main" id="{15E5FFEE-64DF-A398-1F5F-78CDFDA6CB0B}"/>
+              </a:ext>
+            </a:extLst>
+          </p:cNvPr>
+          <p:cNvPicPr>
+            <a:picLocks noChangeAspect="1" noChangeArrowheads="1"/>
+          </p:cNvPicPr>
+          <p:nvPr/>
+        </p:nvPicPr>
+        <p:blipFill>
+          <a:blip r:embed="rId2">
+            <a:extLst>
+              <a:ext uri="{28A0092B-C50C-407E-A947-70E740481C1C}">
+                <a14:useLocalDpi xmlns:a14="http://schemas.microsoft.com/office/drawing/2010/main" val="0"/>
+              </a:ext>
+            </a:extLst>
+          </a:blip>
+          <a:srcRect/>
+          <a:stretch>
+            <a:fillRect/>
+          </a:stretch>
+        </p:blipFill>
+        <p:spPr bwMode="auto">
+          <a:xfrm>
+            <a:off x="10390542" y="2272540"/>
+            <a:ext cx="3384550" cy="2901950"/>
+          </a:xfrm>
+          <a:prstGeom prst="rect">
+            <a:avLst/>
+          </a:prstGeom>
+          <a:noFill/>
+          <a:extLst>
+            <a:ext uri="{909E8E84-426E-40DD-AFC4-6F175D3DCCD1}">
+              <a14:hiddenFill xmlns:a14="http://schemas.microsoft.com/office/drawing/2010/main">
+                <a:solidFill>
+                  <a:srgbClr val="FFFFFF"/>
+                </a:solidFill>
+              </a14:hiddenFill>
+            </a:ext>
+          </a:extLst>
+        </p:spPr>
+      </p:pic>
       <p:sp>
         <p:nvSpPr>
           <p:cNvPr id="97" name="TextBox 9"/>
@@ -3132,7 +3180,7 @@
                 <a:avLst/>
               </a:prstGeom>
               <a:blipFill>
-                <a:blip r:embed="rId2"/>
+                <a:blip r:embed="rId3"/>
                 <a:stretch>
                   <a:fillRect l="-2326" t="-1043" r="-2824"/>
                 </a:stretch>
@@ -3217,8 +3265,8 @@
             </p:nvSpPr>
             <p:spPr>
               <a:xfrm>
-                <a:off x="621094" y="27100513"/>
-                <a:ext cx="15276524" cy="6278257"/>
+                <a:off x="741456" y="31783385"/>
+                <a:ext cx="17363664" cy="6278257"/>
               </a:xfrm>
               <a:prstGeom prst="rect">
                 <a:avLst/>
@@ -3441,7 +3489,76 @@
                     </m:func>
                   </m:oMath>
                 </a14:m>
-                <a:endParaRPr lang="en-US" sz="4800" dirty="0"/>
+                <a:r>
+                  <a:rPr lang="en-US" sz="4800" dirty="0"/>
+                  <a:t> where </a:t>
+                </a:r>
+                <a14:m>
+                  <m:oMath xmlns:m="http://schemas.openxmlformats.org/officeDocument/2006/math">
+                    <m:sSub>
+                      <m:sSubPr>
+                        <m:ctrlPr>
+                          <a:rPr lang="en-US" sz="4800" i="1">
+                            <a:latin typeface="Cambria Math" panose="02040503050406030204" pitchFamily="18" charset="0"/>
+                          </a:rPr>
+                        </m:ctrlPr>
+                      </m:sSubPr>
+                      <m:e>
+                        <m:r>
+                          <a:rPr lang="en-US" sz="4800" i="1">
+                            <a:latin typeface="Cambria Math" panose="02040503050406030204" pitchFamily="18" charset="0"/>
+                          </a:rPr>
+                          <m:t>𝑤</m:t>
+                        </m:r>
+                      </m:e>
+                      <m:sub>
+                        <m:r>
+                          <a:rPr lang="en-US" sz="4800" i="1">
+                            <a:latin typeface="Cambria Math" panose="02040503050406030204" pitchFamily="18" charset="0"/>
+                          </a:rPr>
+                          <m:t>𝑥</m:t>
+                        </m:r>
+                      </m:sub>
+                    </m:sSub>
+                  </m:oMath>
+                </a14:m>
+                <a:r>
+                  <a:rPr lang="en-US" sz="4800" dirty="0"/>
+                  <a:t> and </a:t>
+                </a:r>
+                <a14:m>
+                  <m:oMath xmlns:m="http://schemas.openxmlformats.org/officeDocument/2006/math">
+                    <m:sSub>
+                      <m:sSubPr>
+                        <m:ctrlPr>
+                          <a:rPr lang="en-US" sz="4800" i="1">
+                            <a:latin typeface="Cambria Math" panose="02040503050406030204" pitchFamily="18" charset="0"/>
+                          </a:rPr>
+                        </m:ctrlPr>
+                      </m:sSubPr>
+                      <m:e>
+                        <m:r>
+                          <a:rPr lang="en-US" sz="4800" i="1">
+                            <a:latin typeface="Cambria Math" panose="02040503050406030204" pitchFamily="18" charset="0"/>
+                          </a:rPr>
+                          <m:t>𝑤</m:t>
+                        </m:r>
+                      </m:e>
+                      <m:sub>
+                        <m:r>
+                          <a:rPr lang="en-US" sz="4800" i="1">
+                            <a:latin typeface="Cambria Math" panose="02040503050406030204" pitchFamily="18" charset="0"/>
+                          </a:rPr>
+                          <m:t>𝑦</m:t>
+                        </m:r>
+                      </m:sub>
+                    </m:sSub>
+                  </m:oMath>
+                </a14:m>
+                <a:r>
+                  <a:rPr lang="en-US" sz="4800" dirty="0"/>
+                  <a:t> are the x and y components of the wind vector, respectively</a:t>
+                </a:r>
               </a:p>
               <a:p>
                 <a:pPr marL="685800" indent="-685800">
@@ -3498,16 +3615,16 @@
             </p:nvSpPr>
             <p:spPr>
               <a:xfrm>
-                <a:off x="621094" y="27100513"/>
-                <a:ext cx="15276524" cy="6278257"/>
+                <a:off x="741456" y="31783385"/>
+                <a:ext cx="17363664" cy="6278257"/>
               </a:xfrm>
               <a:prstGeom prst="rect">
                 <a:avLst/>
               </a:prstGeom>
               <a:blipFill>
-                <a:blip r:embed="rId3"/>
+                <a:blip r:embed="rId4"/>
                 <a:stretch>
-                  <a:fillRect l="-2326" t="-2424" r="-2076"/>
+                  <a:fillRect l="-2047" t="-2218" r="-2193"/>
                 </a:stretch>
               </a:blipFill>
               <a:ln w="12700">
@@ -3585,8 +3702,8 @@
         </p:nvSpPr>
         <p:spPr>
           <a:xfrm>
-            <a:off x="448238" y="27100513"/>
-            <a:ext cx="15742596" cy="10731682"/>
+            <a:off x="448238" y="31553937"/>
+            <a:ext cx="32080072" cy="6278258"/>
           </a:xfrm>
           <a:prstGeom prst="rect">
             <a:avLst/>
@@ -3672,7 +3789,7 @@
         <p:spPr>
           <a:xfrm>
             <a:off x="16770324" y="19831571"/>
-            <a:ext cx="33195433" cy="12318420"/>
+            <a:ext cx="33195433" cy="11430438"/>
           </a:xfrm>
           <a:prstGeom prst="rect">
             <a:avLst/>
@@ -3715,7 +3832,7 @@
         <p:spPr>
           <a:xfrm>
             <a:off x="448239" y="12809917"/>
-            <a:ext cx="15742596" cy="13886402"/>
+            <a:ext cx="15742596" cy="18452092"/>
           </a:xfrm>
           <a:prstGeom prst="rect">
             <a:avLst/>
@@ -3757,8 +3874,8 @@
         </p:nvSpPr>
         <p:spPr>
           <a:xfrm>
-            <a:off x="16770324" y="32605146"/>
-            <a:ext cx="33195433" cy="5190094"/>
+            <a:off x="32821528" y="31583284"/>
+            <a:ext cx="17144229" cy="6211956"/>
           </a:xfrm>
           <a:prstGeom prst="rect">
             <a:avLst/>
@@ -3800,8 +3917,8 @@
         </p:nvSpPr>
         <p:spPr>
           <a:xfrm>
-            <a:off x="1116593" y="33713266"/>
-            <a:ext cx="8251852" cy="3785652"/>
+            <a:off x="21005881" y="31983859"/>
+            <a:ext cx="5860819" cy="5632311"/>
           </a:xfrm>
           <a:prstGeom prst="rect">
             <a:avLst/>
@@ -3826,7 +3943,15 @@
             </a:pPr>
             <a:r>
               <a:rPr dirty="0"/>
-              <a:t>Figure 1:</a:t>
+              <a:t>Figure </a:t>
+            </a:r>
+            <a:r>
+              <a:rPr lang="en-US" dirty="0"/>
+              <a:t>2</a:t>
+            </a:r>
+            <a:r>
+              <a:rPr dirty="0"/>
+              <a:t>:</a:t>
             </a:r>
           </a:p>
           <a:p>
@@ -3850,7 +3975,7 @@
         <p:spPr>
           <a:xfrm>
             <a:off x="17134814" y="20081855"/>
-            <a:ext cx="9731886" cy="1223923"/>
+            <a:ext cx="9731886" cy="830997"/>
           </a:xfrm>
           <a:prstGeom prst="rect">
             <a:avLst/>
@@ -3875,7 +4000,7 @@
           </a:lstStyle>
           <a:p>
             <a:r>
-              <a:rPr dirty="0"/>
+              <a:rPr sz="4800" dirty="0"/>
               <a:t>Conclusions and next steps</a:t>
             </a:r>
           </a:p>
@@ -3889,7 +4014,7 @@
         </p:nvSpPr>
         <p:spPr>
           <a:xfrm>
-            <a:off x="17029100" y="32765196"/>
+            <a:off x="33085449" y="31983859"/>
             <a:ext cx="15110973" cy="2554545"/>
           </a:xfrm>
           <a:prstGeom prst="rect">
@@ -4012,7 +4137,7 @@
           <p:nvPr/>
         </p:nvPicPr>
         <p:blipFill rotWithShape="1">
-          <a:blip r:embed="rId4">
+          <a:blip r:embed="rId5">
             <a:extLst>
               <a:ext uri="{28A0092B-C50C-407E-A947-70E740481C1C}">
                 <a14:useLocalDpi xmlns:a14="http://schemas.microsoft.com/office/drawing/2010/main" val="0"/>
@@ -4060,14 +4185,14 @@
           <p:nvPr/>
         </p:nvPicPr>
         <p:blipFill>
-          <a:blip r:embed="rId5"/>
+          <a:blip r:embed="rId6"/>
           <a:stretch>
             <a:fillRect/>
           </a:stretch>
         </p:blipFill>
         <p:spPr>
           <a:xfrm>
-            <a:off x="42173769" y="609560"/>
+            <a:off x="43572163" y="675986"/>
             <a:ext cx="5497028" cy="5497028"/>
           </a:xfrm>
           <a:prstGeom prst="rect">
@@ -4093,14 +4218,14 @@
           <p:nvPr/>
         </p:nvPicPr>
         <p:blipFill>
-          <a:blip r:embed="rId6"/>
+          <a:blip r:embed="rId7"/>
           <a:stretch>
             <a:fillRect/>
           </a:stretch>
         </p:blipFill>
         <p:spPr>
           <a:xfrm>
-            <a:off x="4310942" y="892612"/>
+            <a:off x="2396746" y="1081640"/>
             <a:ext cx="4797889" cy="4797889"/>
           </a:xfrm>
           <a:prstGeom prst="rect">
@@ -4124,7 +4249,7 @@
         </p:nvSpPr>
         <p:spPr>
           <a:xfrm>
-            <a:off x="11310744" y="1240476"/>
+            <a:off x="11310743" y="1606684"/>
             <a:ext cx="28661111" cy="1563023"/>
           </a:xfrm>
           <a:prstGeom prst="rect">
@@ -4178,8 +4303,8 @@
         </p:nvSpPr>
         <p:spPr>
           <a:xfrm>
-            <a:off x="12547953" y="3482286"/>
-            <a:ext cx="26575630" cy="2031323"/>
+            <a:off x="9776792" y="3175882"/>
+            <a:ext cx="32587809" cy="1231104"/>
           </a:xfrm>
           <a:prstGeom prst="rect">
             <a:avLst/>
@@ -4214,26 +4339,26 @@
               <a:buNone/>
             </a:pPr>
             <a:r>
-              <a:rPr lang="en-US" sz="5400" dirty="0">
+              <a:rPr lang="en-US" sz="5600" i="1" dirty="0">
                 <a:solidFill>
                   <a:schemeClr val="tx1"/>
                 </a:solidFill>
               </a:rPr>
-              <a:t>An Optimal Control Story</a:t>
+              <a:t>“We must sail – sometimes with the wind and sometimes against it – but we must sail” </a:t>
             </a:r>
-          </a:p>
-          <a:p>
-            <a:pPr marL="0" indent="0" algn="ctr">
-              <a:buNone/>
-            </a:pPr>
             <a:r>
-              <a:rPr lang="en-US" sz="5400" dirty="0">
+              <a:rPr lang="en-US" sz="5600" dirty="0">
                 <a:solidFill>
-                  <a:srgbClr val="FFFFFF"/>
+                  <a:schemeClr val="tx1"/>
                 </a:solidFill>
               </a:rPr>
-              <a:t>Dallin Anderson, Joseph Du Toit, Abraham Harris, Nephi Suyama, Ryan Wood</a:t>
+              <a:t>(Oliver Wendell Holmes)</a:t>
             </a:r>
+            <a:endParaRPr lang="en-US" sz="5600" i="1" dirty="0">
+              <a:solidFill>
+                <a:schemeClr val="tx1"/>
+              </a:solidFill>
+            </a:endParaRPr>
           </a:p>
           <a:p>
             <a:pPr marL="0" marR="0" indent="0" algn="l" defTabSz="457200" rtl="0" fontAlgn="auto" latinLnBrk="0" hangingPunct="0">
@@ -4284,7 +4409,7 @@
           <p:nvPr/>
         </p:nvPicPr>
         <p:blipFill>
-          <a:blip r:embed="rId7">
+          <a:blip r:embed="rId8">
             <a:extLst>
               <a:ext uri="{28A0092B-C50C-407E-A947-70E740481C1C}">
                 <a14:useLocalDpi xmlns:a14="http://schemas.microsoft.com/office/drawing/2010/main" val="0"/>
@@ -4298,7 +4423,7 @@
         </p:blipFill>
         <p:spPr bwMode="auto">
           <a:xfrm>
-            <a:off x="10036801" y="32014048"/>
+            <a:off x="26217746" y="31915505"/>
             <a:ext cx="5860818" cy="5700665"/>
           </a:xfrm>
           <a:prstGeom prst="rect">
@@ -4330,8 +4455,8 @@
         </p:nvSpPr>
         <p:spPr>
           <a:xfrm>
-            <a:off x="38267753" y="7968285"/>
-            <a:ext cx="12013341" cy="1323439"/>
+            <a:off x="36357931" y="7292060"/>
+            <a:ext cx="12013341" cy="1446550"/>
           </a:xfrm>
           <a:prstGeom prst="rect">
             <a:avLst/>
@@ -4355,7 +4480,7 @@
               <a:defRPr sz="4000" b="1"/>
             </a:pPr>
             <a:r>
-              <a:rPr lang="en-US" dirty="0"/>
+              <a:rPr lang="en-US" sz="4800" dirty="0"/>
               <a:t>Results</a:t>
             </a:r>
           </a:p>
@@ -4470,7 +4595,7 @@
           <p:nvPr/>
         </p:nvPicPr>
         <p:blipFill>
-          <a:blip r:embed="rId8">
+          <a:blip r:embed="rId9">
             <a:extLst>
               <a:ext uri="{28A0092B-C50C-407E-A947-70E740481C1C}">
                 <a14:useLocalDpi xmlns:a14="http://schemas.microsoft.com/office/drawing/2010/main" val="0"/>
@@ -4508,7 +4633,7 @@
             <p:spPr>
               <a:xfrm>
                 <a:off x="17134814" y="10489086"/>
-                <a:ext cx="18039106" cy="6798590"/>
+                <a:ext cx="18039106" cy="6001641"/>
               </a:xfrm>
               <a:prstGeom prst="rect">
                 <a:avLst/>
@@ -4649,190 +4774,8 @@
                       </a:rPr>
                       <m:t>𝜑</m:t>
                     </m:r>
-                    <m:r>
-                      <a:rPr lang="en-US" sz="4800" b="0" i="1" smtClean="0">
-                        <a:latin typeface="Cambria Math" panose="02040503050406030204" pitchFamily="18" charset="0"/>
-                        <a:ea typeface="Cambria Math" panose="02040503050406030204" pitchFamily="18" charset="0"/>
-                      </a:rPr>
-                      <m:t> </m:t>
-                    </m:r>
                   </m:oMath>
                 </a14:m>
-                <a:r>
-                  <a:rPr kumimoji="0" lang="en-US" sz="4800" b="0" i="0" u="none" strike="noStrike" cap="none" spc="0" normalizeH="0" baseline="0" dirty="0">
-                    <a:ln>
-                      <a:noFill/>
-                    </a:ln>
-                    <a:solidFill>
-                      <a:srgbClr val="000000"/>
-                    </a:solidFill>
-                    <a:effectLst/>
-                    <a:uFillTx/>
-                    <a:latin typeface="+mj-lt"/>
-                    <a:ea typeface="+mj-ea"/>
-                    <a:cs typeface="+mj-cs"/>
-                    <a:sym typeface="Calibri"/>
-                  </a:rPr>
-                  <a:t>and </a:t>
-                </a:r>
-                <a14:m>
-                  <m:oMath xmlns:m="http://schemas.openxmlformats.org/officeDocument/2006/math">
-                    <m:sSub>
-                      <m:sSubPr>
-                        <m:ctrlPr>
-                          <a:rPr kumimoji="0" lang="en-US" sz="4800" b="0" i="1" u="none" strike="noStrike" cap="none" spc="0" normalizeH="0" baseline="0" smtClean="0">
-                            <a:ln>
-                              <a:noFill/>
-                            </a:ln>
-                            <a:solidFill>
-                              <a:srgbClr val="000000"/>
-                            </a:solidFill>
-                            <a:effectLst/>
-                            <a:uFillTx/>
-                            <a:latin typeface="Cambria Math" panose="02040503050406030204" pitchFamily="18" charset="0"/>
-                            <a:ea typeface="+mj-ea"/>
-                            <a:cs typeface="+mj-cs"/>
-                            <a:sym typeface="Calibri"/>
-                          </a:rPr>
-                        </m:ctrlPr>
-                      </m:sSubPr>
-                      <m:e>
-                        <m:r>
-                          <a:rPr kumimoji="0" lang="en-US" sz="4800" b="0" i="1" u="none" strike="noStrike" cap="none" spc="0" normalizeH="0" baseline="0" smtClean="0">
-                            <a:ln>
-                              <a:noFill/>
-                            </a:ln>
-                            <a:solidFill>
-                              <a:srgbClr val="000000"/>
-                            </a:solidFill>
-                            <a:effectLst/>
-                            <a:uFillTx/>
-                            <a:latin typeface="Cambria Math" panose="02040503050406030204" pitchFamily="18" charset="0"/>
-                            <a:ea typeface="+mj-ea"/>
-                            <a:cs typeface="+mj-cs"/>
-                            <a:sym typeface="Calibri"/>
-                          </a:rPr>
-                          <m:t>𝑤</m:t>
-                        </m:r>
-                      </m:e>
-                      <m:sub>
-                        <m:r>
-                          <a:rPr kumimoji="0" lang="en-US" sz="4800" b="0" i="1" u="none" strike="noStrike" cap="none" spc="0" normalizeH="0" baseline="0" smtClean="0">
-                            <a:ln>
-                              <a:noFill/>
-                            </a:ln>
-                            <a:solidFill>
-                              <a:srgbClr val="000000"/>
-                            </a:solidFill>
-                            <a:effectLst/>
-                            <a:uFillTx/>
-                            <a:latin typeface="Cambria Math" panose="02040503050406030204" pitchFamily="18" charset="0"/>
-                            <a:ea typeface="+mj-ea"/>
-                            <a:cs typeface="+mj-cs"/>
-                            <a:sym typeface="Calibri"/>
-                          </a:rPr>
-                          <m:t>𝑥</m:t>
-                        </m:r>
-                      </m:sub>
-                    </m:sSub>
-                  </m:oMath>
-                </a14:m>
-                <a:r>
-                  <a:rPr kumimoji="0" lang="en-US" sz="4800" b="0" i="0" u="none" strike="noStrike" cap="none" spc="0" normalizeH="0" baseline="0" dirty="0">
-                    <a:ln>
-                      <a:noFill/>
-                    </a:ln>
-                    <a:solidFill>
-                      <a:srgbClr val="000000"/>
-                    </a:solidFill>
-                    <a:effectLst/>
-                    <a:uFillTx/>
-                    <a:latin typeface="+mj-lt"/>
-                    <a:ea typeface="+mj-ea"/>
-                    <a:cs typeface="+mj-cs"/>
-                    <a:sym typeface="Calibri"/>
-                  </a:rPr>
-                  <a:t> and </a:t>
-                </a:r>
-                <a14:m>
-                  <m:oMath xmlns:m="http://schemas.openxmlformats.org/officeDocument/2006/math">
-                    <m:sSub>
-                      <m:sSubPr>
-                        <m:ctrlPr>
-                          <a:rPr kumimoji="0" lang="en-US" sz="4800" b="0" i="1" u="none" strike="noStrike" cap="none" spc="0" normalizeH="0" baseline="0" smtClean="0">
-                            <a:ln>
-                              <a:noFill/>
-                            </a:ln>
-                            <a:solidFill>
-                              <a:srgbClr val="000000"/>
-                            </a:solidFill>
-                            <a:effectLst/>
-                            <a:uFillTx/>
-                            <a:latin typeface="Cambria Math" panose="02040503050406030204" pitchFamily="18" charset="0"/>
-                            <a:ea typeface="+mj-ea"/>
-                            <a:cs typeface="+mj-cs"/>
-                            <a:sym typeface="Calibri"/>
-                          </a:rPr>
-                        </m:ctrlPr>
-                      </m:sSubPr>
-                      <m:e>
-                        <m:r>
-                          <a:rPr kumimoji="0" lang="en-US" sz="4800" b="0" i="1" u="none" strike="noStrike" cap="none" spc="0" normalizeH="0" baseline="0" smtClean="0">
-                            <a:ln>
-                              <a:noFill/>
-                            </a:ln>
-                            <a:solidFill>
-                              <a:srgbClr val="000000"/>
-                            </a:solidFill>
-                            <a:effectLst/>
-                            <a:uFillTx/>
-                            <a:latin typeface="Cambria Math" panose="02040503050406030204" pitchFamily="18" charset="0"/>
-                            <a:ea typeface="+mj-ea"/>
-                            <a:cs typeface="+mj-cs"/>
-                            <a:sym typeface="Calibri"/>
-                          </a:rPr>
-                          <m:t>𝑤</m:t>
-                        </m:r>
-                      </m:e>
-                      <m:sub>
-                        <m:r>
-                          <a:rPr kumimoji="0" lang="en-US" sz="4800" b="0" i="1" u="none" strike="noStrike" cap="none" spc="0" normalizeH="0" baseline="0" smtClean="0">
-                            <a:ln>
-                              <a:noFill/>
-                            </a:ln>
-                            <a:solidFill>
-                              <a:srgbClr val="000000"/>
-                            </a:solidFill>
-                            <a:effectLst/>
-                            <a:uFillTx/>
-                            <a:latin typeface="Cambria Math" panose="02040503050406030204" pitchFamily="18" charset="0"/>
-                            <a:ea typeface="+mj-ea"/>
-                            <a:cs typeface="+mj-cs"/>
-                            <a:sym typeface="Calibri"/>
-                          </a:rPr>
-                          <m:t>𝑦</m:t>
-                        </m:r>
-                      </m:sub>
-                    </m:sSub>
-                  </m:oMath>
-                </a14:m>
-                <a:r>
-                  <a:rPr kumimoji="0" lang="en-US" sz="4800" b="0" i="0" u="none" strike="noStrike" cap="none" spc="0" normalizeH="0" baseline="0" dirty="0">
-                    <a:ln>
-                      <a:noFill/>
-                    </a:ln>
-                    <a:solidFill>
-                      <a:srgbClr val="000000"/>
-                    </a:solidFill>
-                    <a:effectLst/>
-                    <a:uFillTx/>
-                    <a:latin typeface="+mj-lt"/>
-                    <a:ea typeface="+mj-ea"/>
-                    <a:cs typeface="+mj-cs"/>
-                    <a:sym typeface="Calibri"/>
-                  </a:rPr>
-                  <a:t> are the x and y components of the wind vector, respectively</a:t>
-                </a:r>
                 <a:r>
                   <a:rPr lang="en-US" sz="4800" dirty="0"/>
                   <a:t>:</a:t>
@@ -4869,23 +4812,20 @@
                   <a:buNone/>
                   <a:tabLst/>
                 </a:pPr>
-                <a:r>
-                  <a:rPr kumimoji="0" lang="en-US" sz="4800" b="0" i="0" u="none" strike="noStrike" cap="none" spc="0" normalizeH="0" baseline="0" dirty="0">
-                    <a:ln>
-                      <a:noFill/>
-                    </a:ln>
-                    <a:solidFill>
-                      <a:srgbClr val="000000"/>
-                    </a:solidFill>
-                    <a:effectLst/>
-                    <a:uFillTx/>
-                    <a:latin typeface="+mj-lt"/>
-                    <a:ea typeface="+mj-ea"/>
-                    <a:cs typeface="+mj-cs"/>
-                    <a:sym typeface="Calibri"/>
-                  </a:rPr>
-                  <a:t>:</a:t>
-                </a:r>
+                <a:endParaRPr kumimoji="0" lang="en-US" sz="4800" b="0" i="0" u="none" strike="noStrike" cap="none" spc="0" normalizeH="0" baseline="0" dirty="0">
+                  <a:ln>
+                    <a:noFill/>
+                  </a:ln>
+                  <a:solidFill>
+                    <a:srgbClr val="000000"/>
+                  </a:solidFill>
+                  <a:effectLst/>
+                  <a:uFillTx/>
+                  <a:latin typeface="+mj-lt"/>
+                  <a:ea typeface="+mj-ea"/>
+                  <a:cs typeface="+mj-cs"/>
+                  <a:sym typeface="Calibri"/>
+                </a:endParaRPr>
               </a:p>
               <a:p>
                 <a:pPr marL="0" marR="0" indent="0" algn="l" defTabSz="457200" rtl="0" fontAlgn="auto" latinLnBrk="0" hangingPunct="0">
@@ -4940,15 +4880,15 @@
             <p:spPr>
               <a:xfrm>
                 <a:off x="17134814" y="10489086"/>
-                <a:ext cx="18039106" cy="6798590"/>
+                <a:ext cx="18039106" cy="6001641"/>
               </a:xfrm>
               <a:prstGeom prst="rect">
                 <a:avLst/>
               </a:prstGeom>
               <a:blipFill>
-                <a:blip r:embed="rId9"/>
+                <a:blip r:embed="rId10"/>
                 <a:stretch>
-                  <a:fillRect l="-1830" t="-2239" r="-2182"/>
+                  <a:fillRect l="-1830" t="-2537" r="-2182"/>
                 </a:stretch>
               </a:blipFill>
               <a:ln w="12700" cap="flat">
@@ -4987,7 +4927,7 @@
           <p:nvPr/>
         </p:nvPicPr>
         <p:blipFill>
-          <a:blip r:embed="rId10">
+          <a:blip r:embed="rId11">
             <a:extLst>
               <a:ext uri="{28A0092B-C50C-407E-A947-70E740481C1C}">
                 <a14:useLocalDpi xmlns:a14="http://schemas.microsoft.com/office/drawing/2010/main" val="0"/>
@@ -5000,7 +4940,7 @@
         </p:blipFill>
         <p:spPr>
           <a:xfrm>
-            <a:off x="17035180" y="15877943"/>
+            <a:off x="17035180" y="15508307"/>
             <a:ext cx="18559956" cy="3462863"/>
           </a:xfrm>
           <a:prstGeom prst="rect">
@@ -5057,7 +4997,930 @@
           </a:p>
         </p:txBody>
       </p:sp>
+      <p:sp>
+        <p:nvSpPr>
+          <p:cNvPr id="32" name="TextBox 31">
+            <a:extLst>
+              <a:ext uri="{FF2B5EF4-FFF2-40B4-BE49-F238E27FC236}">
+                <a16:creationId xmlns:a16="http://schemas.microsoft.com/office/drawing/2014/main" id="{86C2D1E3-0FA5-052F-0A85-42BC2EE734ED}"/>
+              </a:ext>
+            </a:extLst>
+          </p:cNvPr>
+          <p:cNvSpPr txBox="1"/>
+          <p:nvPr/>
+        </p:nvSpPr>
+        <p:spPr>
+          <a:xfrm>
+            <a:off x="33115777" y="34538404"/>
+            <a:ext cx="9997440" cy="2523766"/>
+          </a:xfrm>
+          <a:prstGeom prst="rect">
+            <a:avLst/>
+          </a:prstGeom>
+          <a:noFill/>
+          <a:ln w="12700" cap="flat">
+            <a:noFill/>
+            <a:miter lim="400000"/>
+          </a:ln>
+          <a:effectLst/>
+          <a:sp3d/>
+        </p:spPr>
+        <p:style>
+          <a:lnRef idx="0">
+            <a:scrgbClr r="0" g="0" b="0"/>
+          </a:lnRef>
+          <a:fillRef idx="0">
+            <a:scrgbClr r="0" g="0" b="0"/>
+          </a:fillRef>
+          <a:effectRef idx="0">
+            <a:scrgbClr r="0" g="0" b="0"/>
+          </a:effectRef>
+          <a:fontRef idx="none"/>
+        </p:style>
+        <p:txBody>
+          <a:bodyPr rot="0" spcFirstLastPara="1" vertOverflow="overflow" horzOverflow="overflow" vert="horz" wrap="square" lIns="45719" tIns="45719" rIns="45719" bIns="45719" numCol="1" spcCol="38100" rtlCol="0" anchor="t">
+            <a:spAutoFit/>
+          </a:bodyPr>
+          <a:lstStyle/>
+          <a:p>
+            <a:r>
+              <a:rPr lang="en-US" sz="2800" i="0" u="none" strike="noStrike" dirty="0">
+                <a:effectLst/>
+                <a:latin typeface="Google Sans"/>
+                <a:hlinkClick r:id="rId12"/>
+              </a:rPr>
+              <a:t>Right-Angle Icons - Free SVG &amp; PNG Right-Angle Images - Noun Project</a:t>
+            </a:r>
+          </a:p>
+          <a:p>
+            <a:pPr marL="0" marR="0" indent="0" algn="l" defTabSz="457200" rtl="0" fontAlgn="auto" latinLnBrk="0" hangingPunct="0">
+              <a:lnSpc>
+                <a:spcPct val="100000"/>
+              </a:lnSpc>
+              <a:spcBef>
+                <a:spcPts val="0"/>
+              </a:spcBef>
+              <a:spcAft>
+                <a:spcPts val="0"/>
+              </a:spcAft>
+              <a:buClrTx/>
+              <a:buSzTx/>
+              <a:buFontTx/>
+              <a:buNone/>
+              <a:tabLst/>
+            </a:pPr>
+            <a:endParaRPr lang="en-US" sz="2800" dirty="0"/>
+          </a:p>
+          <a:p>
+            <a:r>
+              <a:rPr lang="en-US" sz="2800" b="0" i="0" u="none" strike="noStrike" dirty="0">
+                <a:effectLst/>
+                <a:latin typeface="Google Sans"/>
+                <a:hlinkClick r:id="rId13"/>
+              </a:rPr>
+              <a:t>Angle - Free education icons</a:t>
+            </a:r>
+          </a:p>
+          <a:p>
+            <a:r>
+              <a:rPr lang="en-US" sz="2800" dirty="0">
+                <a:latin typeface="Google Sans"/>
+                <a:hlinkClick r:id="rId13"/>
+              </a:rPr>
+              <a:t>For angle icons</a:t>
+            </a:r>
+            <a:endParaRPr lang="en-US" sz="2800" b="0" i="0" u="none" strike="noStrike" dirty="0">
+              <a:effectLst/>
+              <a:latin typeface="Google Sans"/>
+              <a:hlinkClick r:id="rId13"/>
+            </a:endParaRPr>
+          </a:p>
+          <a:p>
+            <a:pPr marL="0" marR="0" indent="0" algn="l" defTabSz="457200" rtl="0" fontAlgn="auto" latinLnBrk="0" hangingPunct="0">
+              <a:lnSpc>
+                <a:spcPct val="100000"/>
+              </a:lnSpc>
+              <a:spcBef>
+                <a:spcPts val="0"/>
+              </a:spcBef>
+              <a:spcAft>
+                <a:spcPts val="0"/>
+              </a:spcAft>
+              <a:buClrTx/>
+              <a:buSzTx/>
+              <a:buFontTx/>
+              <a:buNone/>
+              <a:tabLst/>
+            </a:pPr>
+            <a:endParaRPr kumimoji="0" lang="en-US" sz="1800" i="0" u="none" strike="noStrike" cap="none" spc="0" normalizeH="0" baseline="0" dirty="0">
+              <a:ln>
+                <a:noFill/>
+              </a:ln>
+              <a:solidFill>
+                <a:srgbClr val="000000"/>
+              </a:solidFill>
+              <a:effectLst/>
+              <a:uFillTx/>
+              <a:latin typeface="+mj-lt"/>
+              <a:ea typeface="+mj-ea"/>
+              <a:cs typeface="+mj-cs"/>
+              <a:sym typeface="Calibri"/>
+            </a:endParaRPr>
+          </a:p>
+        </p:txBody>
+      </p:sp>
+      <p:pic>
+        <p:nvPicPr>
+          <p:cNvPr id="33" name="Picture 32" descr="A cartoon of a kite flying through the air&#10;&#10;AI-generated content may be incorrect.">
+            <a:extLst>
+              <a:ext uri="{FF2B5EF4-FFF2-40B4-BE49-F238E27FC236}">
+                <a16:creationId xmlns:a16="http://schemas.microsoft.com/office/drawing/2014/main" id="{92F39B03-1680-89A3-68ED-B3AE7EB8CE04}"/>
+              </a:ext>
+            </a:extLst>
+          </p:cNvPr>
+          <p:cNvPicPr>
+            <a:picLocks noChangeAspect="1"/>
+          </p:cNvPicPr>
+          <p:nvPr/>
+        </p:nvPicPr>
+        <p:blipFill>
+          <a:blip r:embed="rId14">
+            <a:extLst>
+              <a:ext uri="{28A0092B-C50C-407E-A947-70E740481C1C}">
+                <a14:useLocalDpi xmlns:a14="http://schemas.microsoft.com/office/drawing/2010/main" val="0"/>
+              </a:ext>
+            </a:extLst>
+          </a:blip>
+          <a:stretch>
+            <a:fillRect/>
+          </a:stretch>
+        </p:blipFill>
+        <p:spPr>
+          <a:xfrm>
+            <a:off x="681669" y="23060848"/>
+            <a:ext cx="15336311" cy="6758995"/>
+          </a:xfrm>
+          <a:prstGeom prst="rect">
+            <a:avLst/>
+          </a:prstGeom>
+          <a:effectLst>
+            <a:softEdge rad="317500"/>
+          </a:effectLst>
+        </p:spPr>
+      </p:pic>
+      <mc:AlternateContent xmlns:mc="http://schemas.openxmlformats.org/markup-compatibility/2006">
+        <mc:Choice xmlns:a14="http://schemas.microsoft.com/office/drawing/2010/main" Requires="a14">
+          <p:sp>
+            <p:nvSpPr>
+              <p:cNvPr id="35" name="TextBox 53">
+                <a:extLst>
+                  <a:ext uri="{FF2B5EF4-FFF2-40B4-BE49-F238E27FC236}">
+                    <a16:creationId xmlns:a16="http://schemas.microsoft.com/office/drawing/2014/main" id="{E1E3B721-8491-7775-AC8E-F9567C28233F}"/>
+                  </a:ext>
+                </a:extLst>
+              </p:cNvPr>
+              <p:cNvSpPr txBox="1"/>
+              <p:nvPr/>
+            </p:nvSpPr>
+            <p:spPr>
+              <a:xfrm>
+                <a:off x="681669" y="29761227"/>
+                <a:ext cx="18607769" cy="1323439"/>
+              </a:xfrm>
+              <a:prstGeom prst="rect">
+                <a:avLst/>
+              </a:prstGeom>
+              <a:ln w="12700">
+                <a:miter lim="400000"/>
+              </a:ln>
+              <a:extLst>
+                <a:ext uri="{C572A759-6A51-4108-AA02-DFA0A04FC94B}">
+                  <ma14:wrappingTextBoxFlag xmlns:ma14="http://schemas.microsoft.com/office/mac/drawingml/2011/main" xmlns:m="http://schemas.openxmlformats.org/officeDocument/2006/math" xmlns="" val="1"/>
+                </a:ext>
+              </a:extLst>
+            </p:spPr>
+            <p:txBody>
+              <a:bodyPr wrap="square" lIns="45719" rIns="45719">
+                <a:spAutoFit/>
+              </a:bodyPr>
+              <a:lstStyle/>
+              <a:p>
+                <a:pPr>
+                  <a:defRPr sz="4000" b="1"/>
+                </a:pPr>
+                <a:r>
+                  <a:rPr dirty="0"/>
+                  <a:t>Figure </a:t>
+                </a:r>
+                <a:r>
+                  <a:rPr lang="en-US" dirty="0"/>
+                  <a:t>1</a:t>
+                </a:r>
+                <a:r>
+                  <a:rPr dirty="0"/>
+                  <a:t>:</a:t>
+                </a:r>
+              </a:p>
+              <a:p>
+                <a:pPr>
+                  <a:defRPr sz="4000"/>
+                </a:pPr>
+                <a:r>
+                  <a:rPr lang="en-US" dirty="0"/>
+                  <a:t>Illustration of what </a:t>
+                </a:r>
+                <a14:m>
+                  <m:oMath xmlns:m="http://schemas.openxmlformats.org/officeDocument/2006/math">
+                    <m:sSub>
+                      <m:sSubPr>
+                        <m:ctrlPr>
+                          <a:rPr lang="en-US" sz="4000" i="1" smtClean="0">
+                            <a:latin typeface="Cambria Math" panose="02040503050406030204" pitchFamily="18" charset="0"/>
+                          </a:rPr>
+                        </m:ctrlPr>
+                      </m:sSubPr>
+                      <m:e>
+                        <m:r>
+                          <m:rPr>
+                            <m:nor/>
+                          </m:rPr>
+                          <a:rPr lang="el-GR" sz="4000" dirty="0"/>
+                          <m:t>θ</m:t>
+                        </m:r>
+                      </m:e>
+                      <m:sub>
+                        <m:r>
+                          <a:rPr lang="en-US" sz="4000" i="1">
+                            <a:latin typeface="Cambria Math" panose="02040503050406030204" pitchFamily="18" charset="0"/>
+                          </a:rPr>
+                          <m:t>𝑏</m:t>
+                        </m:r>
+                      </m:sub>
+                    </m:sSub>
+                  </m:oMath>
+                </a14:m>
+                <a:r>
+                  <a:rPr lang="en-US" dirty="0"/>
+                  <a:t> and </a:t>
+                </a:r>
+                <a14:m>
+                  <m:oMath xmlns:m="http://schemas.openxmlformats.org/officeDocument/2006/math">
+                    <m:r>
+                      <a:rPr lang="en-US" sz="4000" i="1" smtClean="0">
+                        <a:latin typeface="Cambria Math" panose="02040503050406030204" pitchFamily="18" charset="0"/>
+                        <a:ea typeface="Cambria Math" panose="02040503050406030204" pitchFamily="18" charset="0"/>
+                      </a:rPr>
+                      <m:t>𝜑</m:t>
+                    </m:r>
+                  </m:oMath>
+                </a14:m>
+                <a:r>
+                  <a:rPr lang="en-US" dirty="0"/>
+                  <a:t> represent  </a:t>
+                </a:r>
+                <a:endParaRPr dirty="0"/>
+              </a:p>
+            </p:txBody>
+          </p:sp>
+        </mc:Choice>
+        <mc:Fallback>
+          <p:sp>
+            <p:nvSpPr>
+              <p:cNvPr id="35" name="TextBox 53">
+                <a:extLst>
+                  <a:ext uri="{FF2B5EF4-FFF2-40B4-BE49-F238E27FC236}">
+                    <a16:creationId xmlns:a16="http://schemas.microsoft.com/office/drawing/2014/main" id="{E1E3B721-8491-7775-AC8E-F9567C28233F}"/>
+                  </a:ext>
+                </a:extLst>
+              </p:cNvPr>
+              <p:cNvSpPr txBox="1">
+                <a:spLocks noRot="1" noChangeAspect="1" noMove="1" noResize="1" noEditPoints="1" noAdjustHandles="1" noChangeArrowheads="1" noChangeShapeType="1" noTextEdit="1"/>
+              </p:cNvSpPr>
+              <p:nvPr/>
+            </p:nvSpPr>
+            <p:spPr>
+              <a:xfrm>
+                <a:off x="681669" y="29761227"/>
+                <a:ext cx="18607769" cy="1323439"/>
+              </a:xfrm>
+              <a:prstGeom prst="rect">
+                <a:avLst/>
+              </a:prstGeom>
+              <a:blipFill>
+                <a:blip r:embed="rId15"/>
+                <a:stretch>
+                  <a:fillRect l="-1364" t="-8571" b="-20000"/>
+                </a:stretch>
+              </a:blipFill>
+              <a:ln w="12700">
+                <a:miter lim="400000"/>
+              </a:ln>
+              <a:extLst>
+                <a:ext uri="{C572A759-6A51-4108-AA02-DFA0A04FC94B}">
+                  <ma14:wrappingTextBoxFlag xmlns:ma14="http://schemas.microsoft.com/office/mac/drawingml/2011/main" xmlns:a14="http://schemas.microsoft.com/office/drawing/2010/main" xmlns:m="http://schemas.openxmlformats.org/officeDocument/2006/math" xmlns="" val="1"/>
+                </a:ext>
+              </a:extLst>
+            </p:spPr>
+            <p:txBody>
+              <a:bodyPr/>
+              <a:lstStyle/>
+              <a:p>
+                <a:r>
+                  <a:rPr lang="en-US">
+                    <a:noFill/>
+                  </a:rPr>
+                  <a:t> </a:t>
+                </a:r>
+              </a:p>
+            </p:txBody>
+          </p:sp>
+        </mc:Fallback>
+      </mc:AlternateContent>
+      <p:sp>
+        <p:nvSpPr>
+          <p:cNvPr id="40" name="TextBox 39">
+            <a:extLst>
+              <a:ext uri="{FF2B5EF4-FFF2-40B4-BE49-F238E27FC236}">
+                <a16:creationId xmlns:a16="http://schemas.microsoft.com/office/drawing/2014/main" id="{FF8D420C-864D-1AD6-3678-BA410D8575FB}"/>
+              </a:ext>
+            </a:extLst>
+          </p:cNvPr>
+          <p:cNvSpPr txBox="1"/>
+          <p:nvPr/>
+        </p:nvSpPr>
+        <p:spPr>
+          <a:xfrm>
+            <a:off x="16551960" y="4576411"/>
+            <a:ext cx="19331572" cy="1107994"/>
+          </a:xfrm>
+          <a:prstGeom prst="rect">
+            <a:avLst/>
+          </a:prstGeom>
+          <a:noFill/>
+          <a:ln w="12700" cap="flat">
+            <a:noFill/>
+            <a:miter lim="400000"/>
+          </a:ln>
+          <a:effectLst/>
+          <a:sp3d/>
+        </p:spPr>
+        <p:style>
+          <a:lnRef idx="0">
+            <a:scrgbClr r="0" g="0" b="0"/>
+          </a:lnRef>
+          <a:fillRef idx="0">
+            <a:scrgbClr r="0" g="0" b="0"/>
+          </a:fillRef>
+          <a:effectRef idx="0">
+            <a:scrgbClr r="0" g="0" b="0"/>
+          </a:effectRef>
+          <a:fontRef idx="none"/>
+        </p:style>
+        <p:txBody>
+          <a:bodyPr rot="0" spcFirstLastPara="1" vertOverflow="overflow" horzOverflow="overflow" vert="horz" wrap="none" lIns="45719" tIns="45719" rIns="45719" bIns="45719" numCol="1" spcCol="38100" rtlCol="0" anchor="t">
+            <a:spAutoFit/>
+          </a:bodyPr>
+          <a:lstStyle/>
+          <a:p>
+            <a:r>
+              <a:rPr lang="en-US" sz="4800" dirty="0">
+                <a:solidFill>
+                  <a:srgbClr val="FFFFFF"/>
+                </a:solidFill>
+              </a:rPr>
+              <a:t>Dallin Anderson, Joseph Du Toit, Abraham Harris, Nephi Suyama, Ryan Wood</a:t>
+            </a:r>
+          </a:p>
+          <a:p>
+            <a:pPr marL="0" marR="0" indent="0" algn="l" defTabSz="457200" rtl="0" fontAlgn="auto" latinLnBrk="0" hangingPunct="0">
+              <a:lnSpc>
+                <a:spcPct val="100000"/>
+              </a:lnSpc>
+              <a:spcBef>
+                <a:spcPts val="0"/>
+              </a:spcBef>
+              <a:spcAft>
+                <a:spcPts val="0"/>
+              </a:spcAft>
+              <a:buClrTx/>
+              <a:buSzTx/>
+              <a:buFontTx/>
+              <a:buNone/>
+              <a:tabLst/>
+            </a:pPr>
+            <a:endParaRPr kumimoji="0" lang="en-US" sz="1800" b="0" i="0" u="none" strike="noStrike" cap="none" spc="0" normalizeH="0" baseline="0" dirty="0">
+              <a:ln>
+                <a:noFill/>
+              </a:ln>
+              <a:solidFill>
+                <a:srgbClr val="000000"/>
+              </a:solidFill>
+              <a:effectLst/>
+              <a:uFillTx/>
+              <a:latin typeface="+mj-lt"/>
+              <a:ea typeface="+mj-ea"/>
+              <a:cs typeface="+mj-cs"/>
+              <a:sym typeface="Calibri"/>
+            </a:endParaRPr>
+          </a:p>
+        </p:txBody>
+      </p:sp>
     </p:spTree>
+  </p:cSld>
+  <p:clrMapOvr>
+    <a:masterClrMapping/>
+  </p:clrMapOvr>
+  <p:transition spd="med"/>
+</p:sld>
+</file>
+
+<file path=ppt/slides/slide2.xml><?xml version="1.0" encoding="utf-8"?>
+<p:sld xmlns:a="http://schemas.openxmlformats.org/drawingml/2006/main" xmlns:r="http://schemas.openxmlformats.org/officeDocument/2006/relationships" xmlns:p="http://schemas.openxmlformats.org/presentationml/2006/main">
+  <p:cSld>
+    <p:spTree>
+      <p:nvGrpSpPr>
+        <p:cNvPr id="1" name=""/>
+        <p:cNvGrpSpPr/>
+        <p:nvPr/>
+      </p:nvGrpSpPr>
+      <p:grpSpPr>
+        <a:xfrm>
+          <a:off x="0" y="0"/>
+          <a:ext cx="0" cy="0"/>
+          <a:chOff x="0" y="0"/>
+          <a:chExt cx="0" cy="0"/>
+        </a:xfrm>
+      </p:grpSpPr>
+      <p:pic>
+        <p:nvPicPr>
+          <p:cNvPr id="18" name="Picture 17" descr="A plane flying through the sky&#10;&#10;AI-generated content may be incorrect.">
+            <a:extLst>
+              <a:ext uri="{FF2B5EF4-FFF2-40B4-BE49-F238E27FC236}">
+                <a16:creationId xmlns:a16="http://schemas.microsoft.com/office/drawing/2014/main" id="{EA75325F-D0C3-CE9C-A8B0-83AC6B9114A5}"/>
+              </a:ext>
+            </a:extLst>
+          </p:cNvPr>
+          <p:cNvPicPr>
+            <a:picLocks noChangeAspect="1"/>
+          </p:cNvPicPr>
+          <p:nvPr/>
+        </p:nvPicPr>
+        <p:blipFill>
+          <a:blip r:embed="rId2">
+            <a:extLst>
+              <a:ext uri="{28A0092B-C50C-407E-A947-70E740481C1C}">
+                <a14:useLocalDpi xmlns:a14="http://schemas.microsoft.com/office/drawing/2010/main" val="0"/>
+              </a:ext>
+            </a:extLst>
+          </a:blip>
+          <a:stretch>
+            <a:fillRect/>
+          </a:stretch>
+        </p:blipFill>
+        <p:spPr>
+          <a:xfrm>
+            <a:off x="-853440" y="12869152"/>
+            <a:ext cx="51447138" cy="23299614"/>
+          </a:xfrm>
+          <a:prstGeom prst="rect">
+            <a:avLst/>
+          </a:prstGeom>
+        </p:spPr>
+      </p:pic>
+      <p:sp>
+        <p:nvSpPr>
+          <p:cNvPr id="2" name="Title 1">
+            <a:extLst>
+              <a:ext uri="{FF2B5EF4-FFF2-40B4-BE49-F238E27FC236}">
+                <a16:creationId xmlns:a16="http://schemas.microsoft.com/office/drawing/2014/main" id="{95BC8FB4-2D24-B1D9-59AD-4A4E32F1F5AC}"/>
+              </a:ext>
+            </a:extLst>
+          </p:cNvPr>
+          <p:cNvSpPr>
+            <a:spLocks noGrp="1"/>
+          </p:cNvSpPr>
+          <p:nvPr>
+            <p:ph type="title"/>
+          </p:nvPr>
+        </p:nvSpPr>
+        <p:spPr/>
+        <p:txBody>
+          <a:bodyPr/>
+          <a:lstStyle/>
+          <a:p>
+            <a:endParaRPr lang="en-US" dirty="0"/>
+          </a:p>
+        </p:txBody>
+      </p:sp>
+      <mc:AlternateContent xmlns:mc="http://schemas.openxmlformats.org/markup-compatibility/2006">
+        <mc:Choice xmlns:a14="http://schemas.microsoft.com/office/drawing/2010/main" Requires="a14">
+          <p:sp>
+            <p:nvSpPr>
+              <p:cNvPr id="11" name="TextBox 10">
+                <a:extLst>
+                  <a:ext uri="{FF2B5EF4-FFF2-40B4-BE49-F238E27FC236}">
+                    <a16:creationId xmlns:a16="http://schemas.microsoft.com/office/drawing/2014/main" id="{8ED9DC10-1527-D618-9018-85E839082956}"/>
+                  </a:ext>
+                </a:extLst>
+              </p:cNvPr>
+              <p:cNvSpPr txBox="1"/>
+              <p:nvPr/>
+            </p:nvSpPr>
+            <p:spPr>
+              <a:xfrm>
+                <a:off x="32523498" y="22525098"/>
+                <a:ext cx="2025040" cy="1938990"/>
+              </a:xfrm>
+              <a:prstGeom prst="rect">
+                <a:avLst/>
+              </a:prstGeom>
+              <a:noFill/>
+              <a:ln w="12700" cap="flat">
+                <a:noFill/>
+                <a:miter lim="400000"/>
+              </a:ln>
+              <a:effectLst/>
+              <a:sp3d/>
+            </p:spPr>
+            <p:style>
+              <a:lnRef idx="0">
+                <a:scrgbClr r="0" g="0" b="0"/>
+              </a:lnRef>
+              <a:fillRef idx="0">
+                <a:scrgbClr r="0" g="0" b="0"/>
+              </a:fillRef>
+              <a:effectRef idx="0">
+                <a:scrgbClr r="0" g="0" b="0"/>
+              </a:effectRef>
+              <a:fontRef idx="none"/>
+            </p:style>
+            <p:txBody>
+              <a:bodyPr rot="0" spcFirstLastPara="1" vertOverflow="overflow" horzOverflow="overflow" vert="horz" wrap="none" lIns="45719" tIns="45719" rIns="45719" bIns="45719" numCol="1" spcCol="38100" rtlCol="0" anchor="t">
+                <a:spAutoFit/>
+              </a:bodyPr>
+              <a:lstStyle/>
+              <a:p>
+                <a:pPr marL="0" marR="0" indent="0" algn="l" defTabSz="457200" rtl="0" fontAlgn="auto" latinLnBrk="0" hangingPunct="0">
+                  <a:lnSpc>
+                    <a:spcPct val="100000"/>
+                  </a:lnSpc>
+                  <a:spcBef>
+                    <a:spcPts val="0"/>
+                  </a:spcBef>
+                  <a:spcAft>
+                    <a:spcPts val="0"/>
+                  </a:spcAft>
+                  <a:buClrTx/>
+                  <a:buSzTx/>
+                  <a:buFontTx/>
+                  <a:buNone/>
+                  <a:tabLst/>
+                </a:pPr>
+                <a14:m>
+                  <m:oMathPara xmlns:m="http://schemas.openxmlformats.org/officeDocument/2006/math">
+                    <m:oMathParaPr>
+                      <m:jc m:val="centerGroup"/>
+                    </m:oMathParaPr>
+                    <m:oMath xmlns:m="http://schemas.openxmlformats.org/officeDocument/2006/math">
+                      <m:sSub>
+                        <m:sSubPr>
+                          <m:ctrlPr>
+                            <a:rPr lang="en-US" sz="12000" i="1" smtClean="0">
+                              <a:latin typeface="Cambria Math" panose="02040503050406030204" pitchFamily="18" charset="0"/>
+                            </a:rPr>
+                          </m:ctrlPr>
+                        </m:sSubPr>
+                        <m:e>
+                          <m:r>
+                            <m:rPr>
+                              <m:nor/>
+                            </m:rPr>
+                            <a:rPr lang="el-GR" sz="12000" dirty="0"/>
+                            <m:t>θ</m:t>
+                          </m:r>
+                        </m:e>
+                        <m:sub>
+                          <m:r>
+                            <a:rPr lang="en-US" sz="12000" b="0" i="1" smtClean="0">
+                              <a:latin typeface="Cambria Math" panose="02040503050406030204" pitchFamily="18" charset="0"/>
+                            </a:rPr>
+                            <m:t>𝑏</m:t>
+                          </m:r>
+                        </m:sub>
+                      </m:sSub>
+                    </m:oMath>
+                  </m:oMathPara>
+                </a14:m>
+                <a:endParaRPr kumimoji="0" lang="en-US" sz="12000" b="0" i="0" u="none" strike="noStrike" cap="none" spc="0" normalizeH="0" baseline="0" dirty="0">
+                  <a:ln>
+                    <a:noFill/>
+                  </a:ln>
+                  <a:solidFill>
+                    <a:srgbClr val="000000"/>
+                  </a:solidFill>
+                  <a:effectLst/>
+                  <a:uFillTx/>
+                  <a:sym typeface="Calibri"/>
+                </a:endParaRPr>
+              </a:p>
+            </p:txBody>
+          </p:sp>
+        </mc:Choice>
+        <mc:Fallback>
+          <p:sp>
+            <p:nvSpPr>
+              <p:cNvPr id="11" name="TextBox 10">
+                <a:extLst>
+                  <a:ext uri="{FF2B5EF4-FFF2-40B4-BE49-F238E27FC236}">
+                    <a16:creationId xmlns:a16="http://schemas.microsoft.com/office/drawing/2014/main" id="{8ED9DC10-1527-D618-9018-85E839082956}"/>
+                  </a:ext>
+                </a:extLst>
+              </p:cNvPr>
+              <p:cNvSpPr txBox="1">
+                <a:spLocks noRot="1" noChangeAspect="1" noMove="1" noResize="1" noEditPoints="1" noAdjustHandles="1" noChangeArrowheads="1" noChangeShapeType="1" noTextEdit="1"/>
+              </p:cNvSpPr>
+              <p:nvPr/>
+            </p:nvSpPr>
+            <p:spPr>
+              <a:xfrm>
+                <a:off x="32523498" y="22525098"/>
+                <a:ext cx="2025040" cy="1938990"/>
+              </a:xfrm>
+              <a:prstGeom prst="rect">
+                <a:avLst/>
+              </a:prstGeom>
+              <a:blipFill>
+                <a:blip r:embed="rId3"/>
+                <a:stretch>
+                  <a:fillRect l="-14286" r="-2484" b="-11688"/>
+                </a:stretch>
+              </a:blipFill>
+              <a:ln w="12700" cap="flat">
+                <a:noFill/>
+                <a:miter lim="400000"/>
+              </a:ln>
+              <a:effectLst/>
+            </p:spPr>
+            <p:txBody>
+              <a:bodyPr/>
+              <a:lstStyle/>
+              <a:p>
+                <a:r>
+                  <a:rPr lang="en-US">
+                    <a:noFill/>
+                  </a:rPr>
+                  <a:t> </a:t>
+                </a:r>
+              </a:p>
+            </p:txBody>
+          </p:sp>
+        </mc:Fallback>
+      </mc:AlternateContent>
+      <p:pic>
+        <p:nvPicPr>
+          <p:cNvPr id="2050" name="Picture 2" descr="Angle - Free education icons">
+            <a:extLst>
+              <a:ext uri="{FF2B5EF4-FFF2-40B4-BE49-F238E27FC236}">
+                <a16:creationId xmlns:a16="http://schemas.microsoft.com/office/drawing/2014/main" id="{587F2823-6703-409D-804A-9E255118DF51}"/>
+              </a:ext>
+            </a:extLst>
+          </p:cNvPr>
+          <p:cNvPicPr>
+            <a:picLocks noChangeAspect="1" noChangeArrowheads="1"/>
+          </p:cNvPicPr>
+          <p:nvPr/>
+        </p:nvPicPr>
+        <p:blipFill>
+          <a:blip r:embed="rId4">
+            <a:extLst>
+              <a:ext uri="{28A0092B-C50C-407E-A947-70E740481C1C}">
+                <a14:useLocalDpi xmlns:a14="http://schemas.microsoft.com/office/drawing/2010/main" val="0"/>
+              </a:ext>
+            </a:extLst>
+          </a:blip>
+          <a:srcRect/>
+          <a:stretch>
+            <a:fillRect/>
+          </a:stretch>
+        </p:blipFill>
+        <p:spPr bwMode="auto">
+          <a:xfrm>
+            <a:off x="36205308" y="23494593"/>
+            <a:ext cx="4394557" cy="4394557"/>
+          </a:xfrm>
+          <a:prstGeom prst="rect">
+            <a:avLst/>
+          </a:prstGeom>
+          <a:noFill/>
+          <a:extLst>
+            <a:ext uri="{909E8E84-426E-40DD-AFC4-6F175D3DCCD1}">
+              <a14:hiddenFill xmlns:a14="http://schemas.microsoft.com/office/drawing/2010/main">
+                <a:solidFill>
+                  <a:srgbClr val="FFFFFF"/>
+                </a:solidFill>
+              </a14:hiddenFill>
+            </a:ext>
+          </a:extLst>
+        </p:spPr>
+      </p:pic>
+      <mc:AlternateContent xmlns:mc="http://schemas.openxmlformats.org/markup-compatibility/2006">
+        <mc:Choice xmlns:a14="http://schemas.microsoft.com/office/drawing/2010/main" Requires="a14">
+          <p:sp>
+            <p:nvSpPr>
+              <p:cNvPr id="19" name="TextBox 18">
+                <a:extLst>
+                  <a:ext uri="{FF2B5EF4-FFF2-40B4-BE49-F238E27FC236}">
+                    <a16:creationId xmlns:a16="http://schemas.microsoft.com/office/drawing/2014/main" id="{765F9C59-64E4-F85A-1B8E-717537542DE1}"/>
+                  </a:ext>
+                </a:extLst>
+              </p:cNvPr>
+              <p:cNvSpPr txBox="1"/>
+              <p:nvPr/>
+            </p:nvSpPr>
+            <p:spPr>
+              <a:xfrm>
+                <a:off x="38402586" y="25012146"/>
+                <a:ext cx="1515221" cy="1938990"/>
+              </a:xfrm>
+              <a:prstGeom prst="rect">
+                <a:avLst/>
+              </a:prstGeom>
+              <a:noFill/>
+              <a:ln w="12700" cap="flat">
+                <a:noFill/>
+                <a:miter lim="400000"/>
+              </a:ln>
+              <a:effectLst/>
+              <a:sp3d/>
+            </p:spPr>
+            <p:style>
+              <a:lnRef idx="0">
+                <a:scrgbClr r="0" g="0" b="0"/>
+              </a:lnRef>
+              <a:fillRef idx="0">
+                <a:scrgbClr r="0" g="0" b="0"/>
+              </a:fillRef>
+              <a:effectRef idx="0">
+                <a:scrgbClr r="0" g="0" b="0"/>
+              </a:effectRef>
+              <a:fontRef idx="none"/>
+            </p:style>
+            <p:txBody>
+              <a:bodyPr rot="0" spcFirstLastPara="1" vertOverflow="overflow" horzOverflow="overflow" vert="horz" wrap="none" lIns="45719" tIns="45719" rIns="45719" bIns="45719" numCol="1" spcCol="38100" rtlCol="0" anchor="t">
+                <a:spAutoFit/>
+              </a:bodyPr>
+              <a:lstStyle/>
+              <a:p>
+                <a:pPr marL="0" marR="0" indent="0" algn="l" defTabSz="457200" rtl="0" fontAlgn="auto" latinLnBrk="0" hangingPunct="0">
+                  <a:lnSpc>
+                    <a:spcPct val="100000"/>
+                  </a:lnSpc>
+                  <a:spcBef>
+                    <a:spcPts val="0"/>
+                  </a:spcBef>
+                  <a:spcAft>
+                    <a:spcPts val="0"/>
+                  </a:spcAft>
+                  <a:buClrTx/>
+                  <a:buSzTx/>
+                  <a:buFontTx/>
+                  <a:buNone/>
+                  <a:tabLst/>
+                </a:pPr>
+                <a14:m>
+                  <m:oMathPara xmlns:m="http://schemas.openxmlformats.org/officeDocument/2006/math">
+                    <m:oMathParaPr>
+                      <m:jc m:val="centerGroup"/>
+                    </m:oMathParaPr>
+                    <m:oMath xmlns:m="http://schemas.openxmlformats.org/officeDocument/2006/math">
+                      <m:r>
+                        <a:rPr lang="en-US" sz="12000" i="1" smtClean="0">
+                          <a:latin typeface="Cambria Math" panose="02040503050406030204" pitchFamily="18" charset="0"/>
+                          <a:ea typeface="Cambria Math" panose="02040503050406030204" pitchFamily="18" charset="0"/>
+                        </a:rPr>
+                        <m:t>𝜑</m:t>
+                      </m:r>
+                    </m:oMath>
+                  </m:oMathPara>
+                </a14:m>
+                <a:endParaRPr kumimoji="0" lang="en-US" sz="12000" b="0" i="0" u="none" strike="noStrike" cap="none" spc="0" normalizeH="0" baseline="0" dirty="0">
+                  <a:ln>
+                    <a:noFill/>
+                  </a:ln>
+                  <a:solidFill>
+                    <a:srgbClr val="000000"/>
+                  </a:solidFill>
+                  <a:effectLst/>
+                  <a:uFillTx/>
+                  <a:sym typeface="Calibri"/>
+                </a:endParaRPr>
+              </a:p>
+            </p:txBody>
+          </p:sp>
+        </mc:Choice>
+        <mc:Fallback>
+          <p:sp>
+            <p:nvSpPr>
+              <p:cNvPr id="19" name="TextBox 18">
+                <a:extLst>
+                  <a:ext uri="{FF2B5EF4-FFF2-40B4-BE49-F238E27FC236}">
+                    <a16:creationId xmlns:a16="http://schemas.microsoft.com/office/drawing/2014/main" id="{765F9C59-64E4-F85A-1B8E-717537542DE1}"/>
+                  </a:ext>
+                </a:extLst>
+              </p:cNvPr>
+              <p:cNvSpPr txBox="1">
+                <a:spLocks noRot="1" noChangeAspect="1" noMove="1" noResize="1" noEditPoints="1" noAdjustHandles="1" noChangeArrowheads="1" noChangeShapeType="1" noTextEdit="1"/>
+              </p:cNvSpPr>
+              <p:nvPr/>
+            </p:nvSpPr>
+            <p:spPr>
+              <a:xfrm>
+                <a:off x="38402586" y="25012146"/>
+                <a:ext cx="1515221" cy="1938990"/>
+              </a:xfrm>
+              <a:prstGeom prst="rect">
+                <a:avLst/>
+              </a:prstGeom>
+              <a:blipFill>
+                <a:blip r:embed="rId5"/>
+                <a:stretch>
+                  <a:fillRect l="-20000" r="-17500" b="-19481"/>
+                </a:stretch>
+              </a:blipFill>
+              <a:ln w="12700" cap="flat">
+                <a:noFill/>
+                <a:miter lim="400000"/>
+              </a:ln>
+              <a:effectLst/>
+            </p:spPr>
+            <p:txBody>
+              <a:bodyPr/>
+              <a:lstStyle/>
+              <a:p>
+                <a:r>
+                  <a:rPr lang="en-US">
+                    <a:noFill/>
+                  </a:rPr>
+                  <a:t> </a:t>
+                </a:r>
+              </a:p>
+            </p:txBody>
+          </p:sp>
+        </mc:Fallback>
+      </mc:AlternateContent>
+      <p:pic>
+        <p:nvPicPr>
+          <p:cNvPr id="2052" name="Picture 4" descr="Right-Angle Icons - Free SVG &amp; PNG Right-Angle Images - Noun Project">
+            <a:extLst>
+              <a:ext uri="{FF2B5EF4-FFF2-40B4-BE49-F238E27FC236}">
+                <a16:creationId xmlns:a16="http://schemas.microsoft.com/office/drawing/2014/main" id="{6CC5C0C1-6A78-2666-A18F-54E1EA1D07D2}"/>
+              </a:ext>
+            </a:extLst>
+          </p:cNvPr>
+          <p:cNvPicPr>
+            <a:picLocks noChangeAspect="1" noChangeArrowheads="1"/>
+          </p:cNvPicPr>
+          <p:nvPr/>
+        </p:nvPicPr>
+        <p:blipFill>
+          <a:blip r:embed="rId6">
+            <a:extLst>
+              <a:ext uri="{28A0092B-C50C-407E-A947-70E740481C1C}">
+                <a14:useLocalDpi xmlns:a14="http://schemas.microsoft.com/office/drawing/2010/main" val="0"/>
+              </a:ext>
+            </a:extLst>
+          </a:blip>
+          <a:srcRect/>
+          <a:stretch>
+            <a:fillRect/>
+          </a:stretch>
+        </p:blipFill>
+        <p:spPr bwMode="auto">
+          <a:xfrm rot="20096208" flipH="1">
+            <a:off x="32719700" y="22086127"/>
+            <a:ext cx="3657677" cy="3794271"/>
+          </a:xfrm>
+          <a:prstGeom prst="rect">
+            <a:avLst/>
+          </a:prstGeom>
+          <a:noFill/>
+          <a:extLst>
+            <a:ext uri="{909E8E84-426E-40DD-AFC4-6F175D3DCCD1}">
+              <a14:hiddenFill xmlns:a14="http://schemas.microsoft.com/office/drawing/2010/main">
+                <a:solidFill>
+                  <a:srgbClr val="FFFFFF"/>
+                </a:solidFill>
+              </a14:hiddenFill>
+            </a:ext>
+          </a:extLst>
+        </p:spPr>
+      </p:pic>
+    </p:spTree>
+    <p:extLst>
+      <p:ext uri="{BB962C8B-B14F-4D97-AF65-F5344CB8AC3E}">
+        <p14:creationId xmlns:p14="http://schemas.microsoft.com/office/powerpoint/2010/main" val="3113889512"/>
+      </p:ext>
+    </p:extLst>
   </p:cSld>
   <p:clrMapOvr>
     <a:masterClrMapping/>
